--- a/warner-AZ300.pptx
+++ b/warner-AZ300.pptx
@@ -13,18 +13,19 @@
     <p:sldId id="266" r:id="rId7"/>
     <p:sldId id="259" r:id="rId8"/>
     <p:sldId id="272" r:id="rId9"/>
-    <p:sldId id="265" r:id="rId10"/>
-    <p:sldId id="267" r:id="rId11"/>
-    <p:sldId id="273" r:id="rId12"/>
-    <p:sldId id="264" r:id="rId13"/>
-    <p:sldId id="268" r:id="rId14"/>
-    <p:sldId id="263" r:id="rId15"/>
-    <p:sldId id="269" r:id="rId16"/>
-    <p:sldId id="261" r:id="rId17"/>
-    <p:sldId id="270" r:id="rId18"/>
-    <p:sldId id="262" r:id="rId19"/>
-    <p:sldId id="271" r:id="rId20"/>
-    <p:sldId id="303" r:id="rId21"/>
+    <p:sldId id="304" r:id="rId10"/>
+    <p:sldId id="265" r:id="rId11"/>
+    <p:sldId id="267" r:id="rId12"/>
+    <p:sldId id="273" r:id="rId13"/>
+    <p:sldId id="264" r:id="rId14"/>
+    <p:sldId id="268" r:id="rId15"/>
+    <p:sldId id="263" r:id="rId16"/>
+    <p:sldId id="269" r:id="rId17"/>
+    <p:sldId id="261" r:id="rId18"/>
+    <p:sldId id="270" r:id="rId19"/>
+    <p:sldId id="262" r:id="rId20"/>
+    <p:sldId id="271" r:id="rId21"/>
+    <p:sldId id="303" r:id="rId22"/>
   </p:sldIdLst>
   <p:sldSz cx="9144000" cy="5143500" type="screen16x9"/>
   <p:notesSz cx="6858000" cy="9144000"/>
@@ -2175,10 +2176,10 @@
       </p:grpSpPr>
       <p:sp>
         <p:nvSpPr>
-          <p:cNvPr id="2" name="Title 1">
+          <p:cNvPr id="6" name="Title 5">
             <a:extLst>
               <a:ext uri="{FF2B5EF4-FFF2-40B4-BE49-F238E27FC236}">
-                <a16:creationId xmlns:a16="http://schemas.microsoft.com/office/drawing/2014/main" id="{25C6E663-D0AD-564E-AFD0-A2EAFE729E79}"/>
+                <a16:creationId xmlns:a16="http://schemas.microsoft.com/office/drawing/2014/main" id="{D9FFC0E8-97CE-4426-A0C0-75252002ED16}"/>
               </a:ext>
             </a:extLst>
           </p:cNvPr>
@@ -2186,7 +2187,7 @@
             <a:spLocks noGrp="1"/>
           </p:cNvSpPr>
           <p:nvPr>
-            <p:ph type="title"/>
+            <p:ph type="ctrTitle"/>
           </p:nvPr>
         </p:nvSpPr>
         <p:spPr/>
@@ -2196,55 +2197,19 @@
           <a:p>
             <a:r>
               <a:rPr lang="en-US" dirty="0"/>
-              <a:t>Module 2 Learning Objectives</a:t>
-            </a:r>
-          </a:p>
-        </p:txBody>
-      </p:sp>
-      <p:sp>
-        <p:nvSpPr>
-          <p:cNvPr id="3" name="Content Placeholder 2">
-            <a:extLst>
-              <a:ext uri="{FF2B5EF4-FFF2-40B4-BE49-F238E27FC236}">
-                <a16:creationId xmlns:a16="http://schemas.microsoft.com/office/drawing/2014/main" id="{CC25EB59-169C-FE49-B976-0294784B9F8E}"/>
-              </a:ext>
-            </a:extLst>
-          </p:cNvPr>
-          <p:cNvSpPr>
-            <a:spLocks noGrp="1"/>
-          </p:cNvSpPr>
-          <p:nvPr>
-            <p:ph idx="1"/>
-          </p:nvPr>
-        </p:nvSpPr>
-        <p:spPr/>
-        <p:txBody>
-          <a:bodyPr/>
-          <a:lstStyle/>
-          <a:p>
-            <a:r>
-              <a:rPr lang="en-US" dirty="0"/>
-              <a:t>Migrate servers to Azure</a:t>
-            </a:r>
-          </a:p>
-          <a:p>
-            <a:r>
-              <a:rPr lang="en-US" dirty="0"/>
-              <a:t>Configure serverless computing</a:t>
-            </a:r>
-          </a:p>
-          <a:p>
-            <a:r>
-              <a:rPr lang="en-US" dirty="0"/>
-              <a:t>Implement application load balancing</a:t>
-            </a:r>
+              <a:t>Module 2 Implement Azure Workloads and Security</a:t>
+            </a:r>
+            <a:br>
+              <a:rPr lang="en-US" dirty="0"/>
+            </a:br>
+            <a:endParaRPr lang="en-US" dirty="0"/>
           </a:p>
         </p:txBody>
       </p:sp>
     </p:spTree>
     <p:extLst>
       <p:ext uri="{BB962C8B-B14F-4D97-AF65-F5344CB8AC3E}">
-        <p14:creationId xmlns:p14="http://schemas.microsoft.com/office/powerpoint/2010/main" val="2206647766"/>
+        <p14:creationId xmlns:p14="http://schemas.microsoft.com/office/powerpoint/2010/main" val="3068621773"/>
       </p:ext>
     </p:extLst>
   </p:cSld>
@@ -2294,7 +2259,7 @@
           <a:p>
             <a:r>
               <a:rPr lang="en-US" dirty="0"/>
-              <a:t>Module 2 Learning Objectives (Cont’d)</a:t>
+              <a:t>Module 2 Learning Objectives</a:t>
             </a:r>
           </a:p>
         </p:txBody>
@@ -2322,30 +2287,27 @@
           <a:p>
             <a:r>
               <a:rPr lang="en-US" dirty="0"/>
-              <a:t>Integrate an on-premises network with an Azure virtual network</a:t>
-            </a:r>
-          </a:p>
-          <a:p>
-            <a:r>
-              <a:rPr lang="en-US" dirty="0"/>
-              <a:t>Manage role-based access control (RBAC)</a:t>
-            </a:r>
-          </a:p>
-          <a:p>
-            <a:r>
-              <a:rPr lang="en-US" dirty="0"/>
-              <a:t>Implement Multi-Factor Authentication (MFA)</a:t>
-            </a:r>
-          </a:p>
-          <a:p>
-            <a:endParaRPr lang="en-US" dirty="0"/>
+              <a:t>Migrate servers to Azure</a:t>
+            </a:r>
+          </a:p>
+          <a:p>
+            <a:r>
+              <a:rPr lang="en-US" dirty="0"/>
+              <a:t>Configure serverless computing</a:t>
+            </a:r>
+          </a:p>
+          <a:p>
+            <a:r>
+              <a:rPr lang="en-US" dirty="0"/>
+              <a:t>Implement application load balancing</a:t>
+            </a:r>
           </a:p>
         </p:txBody>
       </p:sp>
     </p:spTree>
     <p:extLst>
       <p:ext uri="{BB962C8B-B14F-4D97-AF65-F5344CB8AC3E}">
-        <p14:creationId xmlns:p14="http://schemas.microsoft.com/office/powerpoint/2010/main" val="1823920827"/>
+        <p14:creationId xmlns:p14="http://schemas.microsoft.com/office/powerpoint/2010/main" val="2206647766"/>
       </p:ext>
     </p:extLst>
   </p:cSld>
@@ -2374,10 +2336,10 @@
       </p:grpSpPr>
       <p:sp>
         <p:nvSpPr>
-          <p:cNvPr id="6" name="Title 5">
+          <p:cNvPr id="2" name="Title 1">
             <a:extLst>
               <a:ext uri="{FF2B5EF4-FFF2-40B4-BE49-F238E27FC236}">
-                <a16:creationId xmlns:a16="http://schemas.microsoft.com/office/drawing/2014/main" id="{D9FFC0E8-97CE-4426-A0C0-75252002ED16}"/>
+                <a16:creationId xmlns:a16="http://schemas.microsoft.com/office/drawing/2014/main" id="{25C6E663-D0AD-564E-AFD0-A2EAFE729E79}"/>
               </a:ext>
             </a:extLst>
           </p:cNvPr>
@@ -2385,7 +2347,7 @@
             <a:spLocks noGrp="1"/>
           </p:cNvSpPr>
           <p:nvPr>
-            <p:ph type="ctrTitle"/>
+            <p:ph type="title"/>
           </p:nvPr>
         </p:nvSpPr>
         <p:spPr/>
@@ -2395,11 +2357,50 @@
           <a:p>
             <a:r>
               <a:rPr lang="en-US" dirty="0"/>
-              <a:t>Module 3: Create and Deploy Apps in Azure</a:t>
-            </a:r>
-            <a:br>
-              <a:rPr lang="en-US" dirty="0"/>
-            </a:br>
+              <a:t>Module 2 Learning Objectives (Cont’d)</a:t>
+            </a:r>
+          </a:p>
+        </p:txBody>
+      </p:sp>
+      <p:sp>
+        <p:nvSpPr>
+          <p:cNvPr id="3" name="Content Placeholder 2">
+            <a:extLst>
+              <a:ext uri="{FF2B5EF4-FFF2-40B4-BE49-F238E27FC236}">
+                <a16:creationId xmlns:a16="http://schemas.microsoft.com/office/drawing/2014/main" id="{CC25EB59-169C-FE49-B976-0294784B9F8E}"/>
+              </a:ext>
+            </a:extLst>
+          </p:cNvPr>
+          <p:cNvSpPr>
+            <a:spLocks noGrp="1"/>
+          </p:cNvSpPr>
+          <p:nvPr>
+            <p:ph idx="1"/>
+          </p:nvPr>
+        </p:nvSpPr>
+        <p:spPr/>
+        <p:txBody>
+          <a:bodyPr/>
+          <a:lstStyle/>
+          <a:p>
+            <a:r>
+              <a:rPr lang="en-US" dirty="0"/>
+              <a:t>Integrate an on-premises network with an Azure virtual network</a:t>
+            </a:r>
+          </a:p>
+          <a:p>
+            <a:r>
+              <a:rPr lang="en-US" dirty="0"/>
+              <a:t>Manage role-based access control (RBAC)</a:t>
+            </a:r>
+          </a:p>
+          <a:p>
+            <a:r>
+              <a:rPr lang="en-US" dirty="0"/>
+              <a:t>Implement Multi-Factor Authentication (MFA)</a:t>
+            </a:r>
+          </a:p>
+          <a:p>
             <a:endParaRPr lang="en-US" dirty="0"/>
           </a:p>
         </p:txBody>
@@ -2407,7 +2408,7 @@
     </p:spTree>
     <p:extLst>
       <p:ext uri="{BB962C8B-B14F-4D97-AF65-F5344CB8AC3E}">
-        <p14:creationId xmlns:p14="http://schemas.microsoft.com/office/powerpoint/2010/main" val="3667771247"/>
+        <p14:creationId xmlns:p14="http://schemas.microsoft.com/office/powerpoint/2010/main" val="1823920827"/>
       </p:ext>
     </p:extLst>
   </p:cSld>
@@ -2436,10 +2437,10 @@
       </p:grpSpPr>
       <p:sp>
         <p:nvSpPr>
-          <p:cNvPr id="2" name="Title 1">
+          <p:cNvPr id="6" name="Title 5">
             <a:extLst>
               <a:ext uri="{FF2B5EF4-FFF2-40B4-BE49-F238E27FC236}">
-                <a16:creationId xmlns:a16="http://schemas.microsoft.com/office/drawing/2014/main" id="{25C6E663-D0AD-564E-AFD0-A2EAFE729E79}"/>
+                <a16:creationId xmlns:a16="http://schemas.microsoft.com/office/drawing/2014/main" id="{D9FFC0E8-97CE-4426-A0C0-75252002ED16}"/>
               </a:ext>
             </a:extLst>
           </p:cNvPr>
@@ -2447,7 +2448,7 @@
             <a:spLocks noGrp="1"/>
           </p:cNvSpPr>
           <p:nvPr>
-            <p:ph type="title"/>
+            <p:ph type="ctrTitle"/>
           </p:nvPr>
         </p:nvSpPr>
         <p:spPr/>
@@ -2457,44 +2458,11 @@
           <a:p>
             <a:r>
               <a:rPr lang="en-US" dirty="0"/>
-              <a:t>Module 3 Learning Objectives</a:t>
-            </a:r>
-          </a:p>
-        </p:txBody>
-      </p:sp>
-      <p:sp>
-        <p:nvSpPr>
-          <p:cNvPr id="3" name="Content Placeholder 2">
-            <a:extLst>
-              <a:ext uri="{FF2B5EF4-FFF2-40B4-BE49-F238E27FC236}">
-                <a16:creationId xmlns:a16="http://schemas.microsoft.com/office/drawing/2014/main" id="{CC25EB59-169C-FE49-B976-0294784B9F8E}"/>
-              </a:ext>
-            </a:extLst>
-          </p:cNvPr>
-          <p:cNvSpPr>
-            <a:spLocks noGrp="1"/>
-          </p:cNvSpPr>
-          <p:nvPr>
-            <p:ph idx="1"/>
-          </p:nvPr>
-        </p:nvSpPr>
-        <p:spPr/>
-        <p:txBody>
-          <a:bodyPr/>
-          <a:lstStyle/>
-          <a:p>
-            <a:r>
-              <a:rPr lang="en-US" dirty="0"/>
-              <a:t>Create web apps by using PaaS</a:t>
-            </a:r>
-          </a:p>
-          <a:p>
-            <a:r>
-              <a:rPr lang="en-US" dirty="0"/>
-              <a:t>Design and develop apps that run in containers</a:t>
-            </a:r>
-          </a:p>
-          <a:p>
+              <a:t>Module 3: Create and Deploy Apps in Azure</a:t>
+            </a:r>
+            <a:br>
+              <a:rPr lang="en-US" dirty="0"/>
+            </a:br>
             <a:endParaRPr lang="en-US" dirty="0"/>
           </a:p>
         </p:txBody>
@@ -2502,7 +2470,7 @@
     </p:spTree>
     <p:extLst>
       <p:ext uri="{BB962C8B-B14F-4D97-AF65-F5344CB8AC3E}">
-        <p14:creationId xmlns:p14="http://schemas.microsoft.com/office/powerpoint/2010/main" val="2781957895"/>
+        <p14:creationId xmlns:p14="http://schemas.microsoft.com/office/powerpoint/2010/main" val="3667771247"/>
       </p:ext>
     </p:extLst>
   </p:cSld>
@@ -2531,10 +2499,10 @@
       </p:grpSpPr>
       <p:sp>
         <p:nvSpPr>
-          <p:cNvPr id="6" name="Title 5">
+          <p:cNvPr id="2" name="Title 1">
             <a:extLst>
               <a:ext uri="{FF2B5EF4-FFF2-40B4-BE49-F238E27FC236}">
-                <a16:creationId xmlns:a16="http://schemas.microsoft.com/office/drawing/2014/main" id="{D9FFC0E8-97CE-4426-A0C0-75252002ED16}"/>
+                <a16:creationId xmlns:a16="http://schemas.microsoft.com/office/drawing/2014/main" id="{25C6E663-D0AD-564E-AFD0-A2EAFE729E79}"/>
               </a:ext>
             </a:extLst>
           </p:cNvPr>
@@ -2542,7 +2510,7 @@
             <a:spLocks noGrp="1"/>
           </p:cNvSpPr>
           <p:nvPr>
-            <p:ph type="ctrTitle"/>
+            <p:ph type="title"/>
           </p:nvPr>
         </p:nvSpPr>
         <p:spPr/>
@@ -2552,11 +2520,44 @@
           <a:p>
             <a:r>
               <a:rPr lang="en-US" dirty="0"/>
-              <a:t>Module 4: Implement Authentication and Secure Data in Azure</a:t>
-            </a:r>
-            <a:br>
-              <a:rPr lang="en-US" dirty="0"/>
-            </a:br>
+              <a:t>Module 3 Learning Objectives</a:t>
+            </a:r>
+          </a:p>
+        </p:txBody>
+      </p:sp>
+      <p:sp>
+        <p:nvSpPr>
+          <p:cNvPr id="3" name="Content Placeholder 2">
+            <a:extLst>
+              <a:ext uri="{FF2B5EF4-FFF2-40B4-BE49-F238E27FC236}">
+                <a16:creationId xmlns:a16="http://schemas.microsoft.com/office/drawing/2014/main" id="{CC25EB59-169C-FE49-B976-0294784B9F8E}"/>
+              </a:ext>
+            </a:extLst>
+          </p:cNvPr>
+          <p:cNvSpPr>
+            <a:spLocks noGrp="1"/>
+          </p:cNvSpPr>
+          <p:nvPr>
+            <p:ph idx="1"/>
+          </p:nvPr>
+        </p:nvSpPr>
+        <p:spPr/>
+        <p:txBody>
+          <a:bodyPr/>
+          <a:lstStyle/>
+          <a:p>
+            <a:r>
+              <a:rPr lang="en-US" dirty="0"/>
+              <a:t>Create web apps by using PaaS</a:t>
+            </a:r>
+          </a:p>
+          <a:p>
+            <a:r>
+              <a:rPr lang="en-US" dirty="0"/>
+              <a:t>Design and develop apps that run in containers</a:t>
+            </a:r>
+          </a:p>
+          <a:p>
             <a:endParaRPr lang="en-US" dirty="0"/>
           </a:p>
         </p:txBody>
@@ -2564,7 +2565,7 @@
     </p:spTree>
     <p:extLst>
       <p:ext uri="{BB962C8B-B14F-4D97-AF65-F5344CB8AC3E}">
-        <p14:creationId xmlns:p14="http://schemas.microsoft.com/office/powerpoint/2010/main" val="2587392459"/>
+        <p14:creationId xmlns:p14="http://schemas.microsoft.com/office/powerpoint/2010/main" val="2781957895"/>
       </p:ext>
     </p:extLst>
   </p:cSld>
@@ -2593,10 +2594,10 @@
       </p:grpSpPr>
       <p:sp>
         <p:nvSpPr>
-          <p:cNvPr id="2" name="Title 1">
+          <p:cNvPr id="6" name="Title 5">
             <a:extLst>
               <a:ext uri="{FF2B5EF4-FFF2-40B4-BE49-F238E27FC236}">
-                <a16:creationId xmlns:a16="http://schemas.microsoft.com/office/drawing/2014/main" id="{25C6E663-D0AD-564E-AFD0-A2EAFE729E79}"/>
+                <a16:creationId xmlns:a16="http://schemas.microsoft.com/office/drawing/2014/main" id="{D9FFC0E8-97CE-4426-A0C0-75252002ED16}"/>
               </a:ext>
             </a:extLst>
           </p:cNvPr>
@@ -2604,7 +2605,7 @@
             <a:spLocks noGrp="1"/>
           </p:cNvSpPr>
           <p:nvPr>
-            <p:ph type="title"/>
+            <p:ph type="ctrTitle"/>
           </p:nvPr>
         </p:nvSpPr>
         <p:spPr/>
@@ -2614,44 +2615,11 @@
           <a:p>
             <a:r>
               <a:rPr lang="en-US" dirty="0"/>
-              <a:t>Module 4 Learning Objectives</a:t>
-            </a:r>
-          </a:p>
-        </p:txBody>
-      </p:sp>
-      <p:sp>
-        <p:nvSpPr>
-          <p:cNvPr id="3" name="Content Placeholder 2">
-            <a:extLst>
-              <a:ext uri="{FF2B5EF4-FFF2-40B4-BE49-F238E27FC236}">
-                <a16:creationId xmlns:a16="http://schemas.microsoft.com/office/drawing/2014/main" id="{CC25EB59-169C-FE49-B976-0294784B9F8E}"/>
-              </a:ext>
-            </a:extLst>
-          </p:cNvPr>
-          <p:cNvSpPr>
-            <a:spLocks noGrp="1"/>
-          </p:cNvSpPr>
-          <p:nvPr>
-            <p:ph idx="1"/>
-          </p:nvPr>
-        </p:nvSpPr>
-        <p:spPr/>
-        <p:txBody>
-          <a:bodyPr/>
-          <a:lstStyle/>
-          <a:p>
-            <a:r>
-              <a:rPr lang="en-US" dirty="0"/>
-              <a:t>Implement authentication</a:t>
-            </a:r>
-          </a:p>
-          <a:p>
-            <a:r>
-              <a:rPr lang="en-US" dirty="0"/>
-              <a:t>Implement secure data solutions</a:t>
-            </a:r>
-          </a:p>
-          <a:p>
+              <a:t>Module 4: Implement Authentication and Secure Data in Azure</a:t>
+            </a:r>
+            <a:br>
+              <a:rPr lang="en-US" dirty="0"/>
+            </a:br>
             <a:endParaRPr lang="en-US" dirty="0"/>
           </a:p>
         </p:txBody>
@@ -2659,7 +2627,7 @@
     </p:spTree>
     <p:extLst>
       <p:ext uri="{BB962C8B-B14F-4D97-AF65-F5344CB8AC3E}">
-        <p14:creationId xmlns:p14="http://schemas.microsoft.com/office/powerpoint/2010/main" val="1817052382"/>
+        <p14:creationId xmlns:p14="http://schemas.microsoft.com/office/powerpoint/2010/main" val="2587392459"/>
       </p:ext>
     </p:extLst>
   </p:cSld>
@@ -2688,10 +2656,10 @@
       </p:grpSpPr>
       <p:sp>
         <p:nvSpPr>
-          <p:cNvPr id="6" name="Title 5">
+          <p:cNvPr id="2" name="Title 1">
             <a:extLst>
               <a:ext uri="{FF2B5EF4-FFF2-40B4-BE49-F238E27FC236}">
-                <a16:creationId xmlns:a16="http://schemas.microsoft.com/office/drawing/2014/main" id="{D9FFC0E8-97CE-4426-A0C0-75252002ED16}"/>
+                <a16:creationId xmlns:a16="http://schemas.microsoft.com/office/drawing/2014/main" id="{25C6E663-D0AD-564E-AFD0-A2EAFE729E79}"/>
               </a:ext>
             </a:extLst>
           </p:cNvPr>
@@ -2699,7 +2667,7 @@
             <a:spLocks noGrp="1"/>
           </p:cNvSpPr>
           <p:nvPr>
-            <p:ph type="ctrTitle"/>
+            <p:ph type="title"/>
           </p:nvPr>
         </p:nvSpPr>
         <p:spPr/>
@@ -2709,11 +2677,44 @@
           <a:p>
             <a:r>
               <a:rPr lang="en-US" dirty="0"/>
-              <a:t>Module 5: Develop for the Cloud and for Azure Storage</a:t>
-            </a:r>
-            <a:br>
-              <a:rPr lang="en-US" dirty="0"/>
-            </a:br>
+              <a:t>Module 4 Learning Objectives</a:t>
+            </a:r>
+          </a:p>
+        </p:txBody>
+      </p:sp>
+      <p:sp>
+        <p:nvSpPr>
+          <p:cNvPr id="3" name="Content Placeholder 2">
+            <a:extLst>
+              <a:ext uri="{FF2B5EF4-FFF2-40B4-BE49-F238E27FC236}">
+                <a16:creationId xmlns:a16="http://schemas.microsoft.com/office/drawing/2014/main" id="{CC25EB59-169C-FE49-B976-0294784B9F8E}"/>
+              </a:ext>
+            </a:extLst>
+          </p:cNvPr>
+          <p:cNvSpPr>
+            <a:spLocks noGrp="1"/>
+          </p:cNvSpPr>
+          <p:nvPr>
+            <p:ph idx="1"/>
+          </p:nvPr>
+        </p:nvSpPr>
+        <p:spPr/>
+        <p:txBody>
+          <a:bodyPr/>
+          <a:lstStyle/>
+          <a:p>
+            <a:r>
+              <a:rPr lang="en-US" dirty="0"/>
+              <a:t>Implement authentication</a:t>
+            </a:r>
+          </a:p>
+          <a:p>
+            <a:r>
+              <a:rPr lang="en-US" dirty="0"/>
+              <a:t>Implement secure data solutions</a:t>
+            </a:r>
+          </a:p>
+          <a:p>
             <a:endParaRPr lang="en-US" dirty="0"/>
           </a:p>
         </p:txBody>
@@ -2721,7 +2722,7 @@
     </p:spTree>
     <p:extLst>
       <p:ext uri="{BB962C8B-B14F-4D97-AF65-F5344CB8AC3E}">
-        <p14:creationId xmlns:p14="http://schemas.microsoft.com/office/powerpoint/2010/main" val="53707430"/>
+        <p14:creationId xmlns:p14="http://schemas.microsoft.com/office/powerpoint/2010/main" val="1817052382"/>
       </p:ext>
     </p:extLst>
   </p:cSld>
@@ -2750,10 +2751,10 @@
       </p:grpSpPr>
       <p:sp>
         <p:nvSpPr>
-          <p:cNvPr id="2" name="Title 1">
+          <p:cNvPr id="6" name="Title 5">
             <a:extLst>
               <a:ext uri="{FF2B5EF4-FFF2-40B4-BE49-F238E27FC236}">
-                <a16:creationId xmlns:a16="http://schemas.microsoft.com/office/drawing/2014/main" id="{25C6E663-D0AD-564E-AFD0-A2EAFE729E79}"/>
+                <a16:creationId xmlns:a16="http://schemas.microsoft.com/office/drawing/2014/main" id="{D9FFC0E8-97CE-4426-A0C0-75252002ED16}"/>
               </a:ext>
             </a:extLst>
           </p:cNvPr>
@@ -2761,7 +2762,7 @@
             <a:spLocks noGrp="1"/>
           </p:cNvSpPr>
           <p:nvPr>
-            <p:ph type="title"/>
+            <p:ph type="ctrTitle"/>
           </p:nvPr>
         </p:nvSpPr>
         <p:spPr/>
@@ -2771,56 +2772,11 @@
           <a:p>
             <a:r>
               <a:rPr lang="en-US" dirty="0"/>
-              <a:t>Module 5 Learning Objectives</a:t>
-            </a:r>
-          </a:p>
-        </p:txBody>
-      </p:sp>
-      <p:sp>
-        <p:nvSpPr>
-          <p:cNvPr id="3" name="Content Placeholder 2">
-            <a:extLst>
-              <a:ext uri="{FF2B5EF4-FFF2-40B4-BE49-F238E27FC236}">
-                <a16:creationId xmlns:a16="http://schemas.microsoft.com/office/drawing/2014/main" id="{CC25EB59-169C-FE49-B976-0294784B9F8E}"/>
-              </a:ext>
-            </a:extLst>
-          </p:cNvPr>
-          <p:cNvSpPr>
-            <a:spLocks noGrp="1"/>
-          </p:cNvSpPr>
-          <p:nvPr>
-            <p:ph idx="1"/>
-          </p:nvPr>
-        </p:nvSpPr>
-        <p:spPr/>
-        <p:txBody>
-          <a:bodyPr/>
-          <a:lstStyle/>
-          <a:p>
-            <a:r>
-              <a:rPr lang="en-US" dirty="0"/>
-              <a:t>Develop solutions that use Cosmos DB storage</a:t>
-            </a:r>
-          </a:p>
-          <a:p>
-            <a:r>
-              <a:rPr lang="en-US" dirty="0"/>
-              <a:t>Develop solutions that use a relational database</a:t>
-            </a:r>
-          </a:p>
-          <a:p>
-            <a:r>
-              <a:rPr lang="en-US" dirty="0"/>
-              <a:t>Configure a message-based integration architecture</a:t>
-            </a:r>
-          </a:p>
-          <a:p>
-            <a:r>
-              <a:rPr lang="en-US" dirty="0"/>
-              <a:t>Develop for autoscaling</a:t>
-            </a:r>
-          </a:p>
-          <a:p>
+              <a:t>Module 5: Develop for the Cloud and for Azure Storage</a:t>
+            </a:r>
+            <a:br>
+              <a:rPr lang="en-US" dirty="0"/>
+            </a:br>
             <a:endParaRPr lang="en-US" dirty="0"/>
           </a:p>
         </p:txBody>
@@ -2828,7 +2784,7 @@
     </p:spTree>
     <p:extLst>
       <p:ext uri="{BB962C8B-B14F-4D97-AF65-F5344CB8AC3E}">
-        <p14:creationId xmlns:p14="http://schemas.microsoft.com/office/powerpoint/2010/main" val="4289163441"/>
+        <p14:creationId xmlns:p14="http://schemas.microsoft.com/office/powerpoint/2010/main" val="53707430"/>
       </p:ext>
     </p:extLst>
   </p:cSld>
@@ -2857,10 +2813,10 @@
       </p:grpSpPr>
       <p:sp>
         <p:nvSpPr>
-          <p:cNvPr id="6" name="Title 5">
+          <p:cNvPr id="2" name="Title 1">
             <a:extLst>
               <a:ext uri="{FF2B5EF4-FFF2-40B4-BE49-F238E27FC236}">
-                <a16:creationId xmlns:a16="http://schemas.microsoft.com/office/drawing/2014/main" id="{D9FFC0E8-97CE-4426-A0C0-75252002ED16}"/>
+                <a16:creationId xmlns:a16="http://schemas.microsoft.com/office/drawing/2014/main" id="{25C6E663-D0AD-564E-AFD0-A2EAFE729E79}"/>
               </a:ext>
             </a:extLst>
           </p:cNvPr>
@@ -2868,7 +2824,7 @@
             <a:spLocks noGrp="1"/>
           </p:cNvSpPr>
           <p:nvPr>
-            <p:ph type="ctrTitle"/>
+            <p:ph type="title"/>
           </p:nvPr>
         </p:nvSpPr>
         <p:spPr/>
@@ -2878,11 +2834,56 @@
           <a:p>
             <a:r>
               <a:rPr lang="en-US" dirty="0"/>
-              <a:t>Module 6: Exam AZ-300 Exam Strategy</a:t>
-            </a:r>
-            <a:br>
-              <a:rPr lang="en-US" dirty="0"/>
-            </a:br>
+              <a:t>Module 5 Learning Objectives</a:t>
+            </a:r>
+          </a:p>
+        </p:txBody>
+      </p:sp>
+      <p:sp>
+        <p:nvSpPr>
+          <p:cNvPr id="3" name="Content Placeholder 2">
+            <a:extLst>
+              <a:ext uri="{FF2B5EF4-FFF2-40B4-BE49-F238E27FC236}">
+                <a16:creationId xmlns:a16="http://schemas.microsoft.com/office/drawing/2014/main" id="{CC25EB59-169C-FE49-B976-0294784B9F8E}"/>
+              </a:ext>
+            </a:extLst>
+          </p:cNvPr>
+          <p:cNvSpPr>
+            <a:spLocks noGrp="1"/>
+          </p:cNvSpPr>
+          <p:nvPr>
+            <p:ph idx="1"/>
+          </p:nvPr>
+        </p:nvSpPr>
+        <p:spPr/>
+        <p:txBody>
+          <a:bodyPr/>
+          <a:lstStyle/>
+          <a:p>
+            <a:r>
+              <a:rPr lang="en-US" dirty="0"/>
+              <a:t>Develop solutions that use Cosmos DB storage</a:t>
+            </a:r>
+          </a:p>
+          <a:p>
+            <a:r>
+              <a:rPr lang="en-US" dirty="0"/>
+              <a:t>Develop solutions that use a relational database</a:t>
+            </a:r>
+          </a:p>
+          <a:p>
+            <a:r>
+              <a:rPr lang="en-US" dirty="0"/>
+              <a:t>Configure a message-based integration architecture</a:t>
+            </a:r>
+          </a:p>
+          <a:p>
+            <a:r>
+              <a:rPr lang="en-US" dirty="0"/>
+              <a:t>Develop for autoscaling</a:t>
+            </a:r>
+          </a:p>
+          <a:p>
             <a:endParaRPr lang="en-US" dirty="0"/>
           </a:p>
         </p:txBody>
@@ -2890,7 +2891,7 @@
     </p:spTree>
     <p:extLst>
       <p:ext uri="{BB962C8B-B14F-4D97-AF65-F5344CB8AC3E}">
-        <p14:creationId xmlns:p14="http://schemas.microsoft.com/office/powerpoint/2010/main" val="3574558851"/>
+        <p14:creationId xmlns:p14="http://schemas.microsoft.com/office/powerpoint/2010/main" val="4289163441"/>
       </p:ext>
     </p:extLst>
   </p:cSld>
@@ -2919,10 +2920,10 @@
       </p:grpSpPr>
       <p:sp>
         <p:nvSpPr>
-          <p:cNvPr id="2" name="Title 1">
+          <p:cNvPr id="6" name="Title 5">
             <a:extLst>
               <a:ext uri="{FF2B5EF4-FFF2-40B4-BE49-F238E27FC236}">
-                <a16:creationId xmlns:a16="http://schemas.microsoft.com/office/drawing/2014/main" id="{25C6E663-D0AD-564E-AFD0-A2EAFE729E79}"/>
+                <a16:creationId xmlns:a16="http://schemas.microsoft.com/office/drawing/2014/main" id="{D9FFC0E8-97CE-4426-A0C0-75252002ED16}"/>
               </a:ext>
             </a:extLst>
           </p:cNvPr>
@@ -2930,7 +2931,7 @@
             <a:spLocks noGrp="1"/>
           </p:cNvSpPr>
           <p:nvPr>
-            <p:ph type="title"/>
+            <p:ph type="ctrTitle"/>
           </p:nvPr>
         </p:nvSpPr>
         <p:spPr/>
@@ -2940,56 +2941,11 @@
           <a:p>
             <a:r>
               <a:rPr lang="en-US" dirty="0"/>
-              <a:t>Module 6 Learning Objectives</a:t>
-            </a:r>
-          </a:p>
-        </p:txBody>
-      </p:sp>
-      <p:sp>
-        <p:nvSpPr>
-          <p:cNvPr id="3" name="Content Placeholder 2">
-            <a:extLst>
-              <a:ext uri="{FF2B5EF4-FFF2-40B4-BE49-F238E27FC236}">
-                <a16:creationId xmlns:a16="http://schemas.microsoft.com/office/drawing/2014/main" id="{CC25EB59-169C-FE49-B976-0294784B9F8E}"/>
-              </a:ext>
-            </a:extLst>
-          </p:cNvPr>
-          <p:cNvSpPr>
-            <a:spLocks noGrp="1"/>
-          </p:cNvSpPr>
-          <p:nvPr>
-            <p:ph idx="1"/>
-          </p:nvPr>
-        </p:nvSpPr>
-        <p:spPr/>
-        <p:txBody>
-          <a:bodyPr/>
-          <a:lstStyle/>
-          <a:p>
-            <a:r>
-              <a:rPr lang="en-US" dirty="0"/>
-              <a:t>Grasp the content</a:t>
-            </a:r>
-          </a:p>
-          <a:p>
-            <a:r>
-              <a:rPr lang="en-US" dirty="0"/>
-              <a:t>Acquire the hands-on skills</a:t>
-            </a:r>
-          </a:p>
-          <a:p>
-            <a:r>
-              <a:rPr lang="en-US" dirty="0"/>
-              <a:t>Master computer-based testing</a:t>
-            </a:r>
-          </a:p>
-          <a:p>
-            <a:r>
-              <a:rPr lang="en-US" dirty="0"/>
-              <a:t>Comprehend what to expect before, during, and after the exam</a:t>
-            </a:r>
-          </a:p>
-          <a:p>
+              <a:t>Module 6: Exam AZ-300 Exam Strategy</a:t>
+            </a:r>
+            <a:br>
+              <a:rPr lang="en-US" dirty="0"/>
+            </a:br>
             <a:endParaRPr lang="en-US" dirty="0"/>
           </a:p>
         </p:txBody>
@@ -2997,7 +2953,7 @@
     </p:spTree>
     <p:extLst>
       <p:ext uri="{BB962C8B-B14F-4D97-AF65-F5344CB8AC3E}">
-        <p14:creationId xmlns:p14="http://schemas.microsoft.com/office/powerpoint/2010/main" val="906026932"/>
+        <p14:creationId xmlns:p14="http://schemas.microsoft.com/office/powerpoint/2010/main" val="3574558851"/>
       </p:ext>
     </p:extLst>
   </p:cSld>
@@ -3167,6 +3123,113 @@
           <p:cNvPr id="2" name="Title 1">
             <a:extLst>
               <a:ext uri="{FF2B5EF4-FFF2-40B4-BE49-F238E27FC236}">
+                <a16:creationId xmlns:a16="http://schemas.microsoft.com/office/drawing/2014/main" id="{25C6E663-D0AD-564E-AFD0-A2EAFE729E79}"/>
+              </a:ext>
+            </a:extLst>
+          </p:cNvPr>
+          <p:cNvSpPr>
+            <a:spLocks noGrp="1"/>
+          </p:cNvSpPr>
+          <p:nvPr>
+            <p:ph type="title"/>
+          </p:nvPr>
+        </p:nvSpPr>
+        <p:spPr/>
+        <p:txBody>
+          <a:bodyPr/>
+          <a:lstStyle/>
+          <a:p>
+            <a:r>
+              <a:rPr lang="en-US" dirty="0"/>
+              <a:t>Module 6 Learning Objectives</a:t>
+            </a:r>
+          </a:p>
+        </p:txBody>
+      </p:sp>
+      <p:sp>
+        <p:nvSpPr>
+          <p:cNvPr id="3" name="Content Placeholder 2">
+            <a:extLst>
+              <a:ext uri="{FF2B5EF4-FFF2-40B4-BE49-F238E27FC236}">
+                <a16:creationId xmlns:a16="http://schemas.microsoft.com/office/drawing/2014/main" id="{CC25EB59-169C-FE49-B976-0294784B9F8E}"/>
+              </a:ext>
+            </a:extLst>
+          </p:cNvPr>
+          <p:cNvSpPr>
+            <a:spLocks noGrp="1"/>
+          </p:cNvSpPr>
+          <p:nvPr>
+            <p:ph idx="1"/>
+          </p:nvPr>
+        </p:nvSpPr>
+        <p:spPr/>
+        <p:txBody>
+          <a:bodyPr/>
+          <a:lstStyle/>
+          <a:p>
+            <a:r>
+              <a:rPr lang="en-US" dirty="0"/>
+              <a:t>Grasp the content</a:t>
+            </a:r>
+          </a:p>
+          <a:p>
+            <a:r>
+              <a:rPr lang="en-US" dirty="0"/>
+              <a:t>Acquire the hands-on skills</a:t>
+            </a:r>
+          </a:p>
+          <a:p>
+            <a:r>
+              <a:rPr lang="en-US" dirty="0"/>
+              <a:t>Master computer-based testing</a:t>
+            </a:r>
+          </a:p>
+          <a:p>
+            <a:r>
+              <a:rPr lang="en-US" dirty="0"/>
+              <a:t>Comprehend what to expect before, during, and after the exam</a:t>
+            </a:r>
+          </a:p>
+          <a:p>
+            <a:endParaRPr lang="en-US" dirty="0"/>
+          </a:p>
+        </p:txBody>
+      </p:sp>
+    </p:spTree>
+    <p:extLst>
+      <p:ext uri="{BB962C8B-B14F-4D97-AF65-F5344CB8AC3E}">
+        <p14:creationId xmlns:p14="http://schemas.microsoft.com/office/powerpoint/2010/main" val="906026932"/>
+      </p:ext>
+    </p:extLst>
+  </p:cSld>
+  <p:clrMapOvr>
+    <a:masterClrMapping/>
+  </p:clrMapOvr>
+</p:sld>
+</file>
+
+<file path=ppt/slides/slide21.xml><?xml version="1.0" encoding="utf-8"?>
+<p:sld xmlns:a="http://schemas.openxmlformats.org/drawingml/2006/main" xmlns:r="http://schemas.openxmlformats.org/officeDocument/2006/relationships" xmlns:p="http://schemas.openxmlformats.org/presentationml/2006/main">
+  <p:cSld>
+    <p:spTree>
+      <p:nvGrpSpPr>
+        <p:cNvPr id="1" name=""/>
+        <p:cNvGrpSpPr/>
+        <p:nvPr/>
+      </p:nvGrpSpPr>
+      <p:grpSpPr>
+        <a:xfrm>
+          <a:off x="0" y="0"/>
+          <a:ext cx="0" cy="0"/>
+          <a:chOff x="0" y="0"/>
+          <a:chExt cx="0" cy="0"/>
+        </a:xfrm>
+      </p:grpSpPr>
+      <p:sp>
+        <p:nvSpPr>
+          <p:cNvPr id="2" name="Title 1">
+            <a:extLst>
+              <a:ext uri="{FF2B5EF4-FFF2-40B4-BE49-F238E27FC236}">
                 <a16:creationId xmlns:a16="http://schemas.microsoft.com/office/drawing/2014/main" id="{9499EFF8-D9AC-F84D-8949-EF6A66C51733}"/>
               </a:ext>
             </a:extLst>
@@ -3917,10 +3980,10 @@
       </p:grpSpPr>
       <p:sp>
         <p:nvSpPr>
-          <p:cNvPr id="6" name="Title 5">
+          <p:cNvPr id="2" name="Title 1">
             <a:extLst>
               <a:ext uri="{FF2B5EF4-FFF2-40B4-BE49-F238E27FC236}">
-                <a16:creationId xmlns:a16="http://schemas.microsoft.com/office/drawing/2014/main" id="{D9FFC0E8-97CE-4426-A0C0-75252002ED16}"/>
+                <a16:creationId xmlns:a16="http://schemas.microsoft.com/office/drawing/2014/main" id="{EC1F8C14-6600-418F-8837-769A61665ECC}"/>
               </a:ext>
             </a:extLst>
           </p:cNvPr>
@@ -3928,7 +3991,7 @@
             <a:spLocks noGrp="1"/>
           </p:cNvSpPr>
           <p:nvPr>
-            <p:ph type="ctrTitle"/>
+            <p:ph type="title"/>
           </p:nvPr>
         </p:nvSpPr>
         <p:spPr/>
@@ -3938,19 +4001,15 @@
           <a:p>
             <a:r>
               <a:rPr lang="en-US" dirty="0"/>
-              <a:t>Module 2 Implement Azure Workloads and Security</a:t>
-            </a:r>
-            <a:br>
-              <a:rPr lang="en-US" dirty="0"/>
-            </a:br>
-            <a:endParaRPr lang="en-US" dirty="0"/>
+              <a:t>Our Environment</a:t>
+            </a:r>
           </a:p>
         </p:txBody>
       </p:sp>
     </p:spTree>
     <p:extLst>
       <p:ext uri="{BB962C8B-B14F-4D97-AF65-F5344CB8AC3E}">
-        <p14:creationId xmlns:p14="http://schemas.microsoft.com/office/powerpoint/2010/main" val="3068621773"/>
+        <p14:creationId xmlns:p14="http://schemas.microsoft.com/office/powerpoint/2010/main" val="4228796399"/>
       </p:ext>
     </p:extLst>
   </p:cSld>

--- a/warner-AZ300.pptx
+++ b/warner-AZ300.pptx
@@ -1632,7 +1632,7 @@
           <a:p>
             <a:fld id="{128B0A6C-EF38-9441-ADBF-8FE45FA6C46E}" type="datetimeFigureOut">
               <a:rPr lang="en-US" smtClean="0"/>
-              <a:t>7/7/2019</a:t>
+              <a:t>7/11/2019</a:t>
             </a:fld>
             <a:endParaRPr lang="en-US"/>
           </a:p>
@@ -3281,13 +3281,8 @@
           <a:p>
             <a:r>
               <a:rPr lang="en-US" dirty="0"/>
-              <a:t>Course materials: </a:t>
-            </a:r>
-            <a:r>
-              <a:rPr lang="en-US" dirty="0" err="1"/>
-              <a:t>sdfsdf</a:t>
-            </a:r>
-            <a:endParaRPr lang="en-US" dirty="0"/>
+              <a:t>Course materials: timw.info/az300</a:t>
+            </a:r>
           </a:p>
           <a:p>
             <a:r>

--- a/warner-AZ300.pptx
+++ b/warner-AZ300.pptx
@@ -7,9 +7,9 @@
   <p:sldIdLst>
     <p:sldId id="257" r:id="rId2"/>
     <p:sldId id="301" r:id="rId3"/>
-    <p:sldId id="258" r:id="rId4"/>
-    <p:sldId id="260" r:id="rId5"/>
-    <p:sldId id="302" r:id="rId6"/>
+    <p:sldId id="302" r:id="rId4"/>
+    <p:sldId id="258" r:id="rId5"/>
+    <p:sldId id="260" r:id="rId6"/>
     <p:sldId id="266" r:id="rId7"/>
     <p:sldId id="259" r:id="rId8"/>
     <p:sldId id="272" r:id="rId9"/>
@@ -25,7 +25,16 @@
     <p:sldId id="270" r:id="rId19"/>
     <p:sldId id="262" r:id="rId20"/>
     <p:sldId id="271" r:id="rId21"/>
-    <p:sldId id="303" r:id="rId22"/>
+    <p:sldId id="4946" r:id="rId22"/>
+    <p:sldId id="4941" r:id="rId23"/>
+    <p:sldId id="4926" r:id="rId24"/>
+    <p:sldId id="4928" r:id="rId25"/>
+    <p:sldId id="4929" r:id="rId26"/>
+    <p:sldId id="4930" r:id="rId27"/>
+    <p:sldId id="4931" r:id="rId28"/>
+    <p:sldId id="4932" r:id="rId29"/>
+    <p:sldId id="4933" r:id="rId30"/>
+    <p:sldId id="303" r:id="rId31"/>
   </p:sldIdLst>
   <p:sldSz cx="9144000" cy="5143500" type="screen16x9"/>
   <p:notesSz cx="6858000" cy="9144000"/>
@@ -1505,13 +1514,129 @@
 </p:sldLayout>
 </file>
 
+<file path=ppt/slideLayouts/slideLayout8.xml><?xml version="1.0" encoding="utf-8"?>
+<p:sldLayout xmlns:a="http://schemas.openxmlformats.org/drawingml/2006/main" xmlns:r="http://schemas.openxmlformats.org/officeDocument/2006/relationships" xmlns:p="http://schemas.openxmlformats.org/presentationml/2006/main">
+  <p:cSld name="Title Only">
+    <p:spTree>
+      <p:nvGrpSpPr>
+        <p:cNvPr id="1" name=""/>
+        <p:cNvGrpSpPr/>
+        <p:nvPr/>
+      </p:nvGrpSpPr>
+      <p:grpSpPr>
+        <a:xfrm>
+          <a:off x="0" y="0"/>
+          <a:ext cx="0" cy="0"/>
+          <a:chOff x="0" y="0"/>
+          <a:chExt cx="0" cy="0"/>
+        </a:xfrm>
+      </p:grpSpPr>
+      <p:sp>
+        <p:nvSpPr>
+          <p:cNvPr id="2" name="Title 1">
+            <a:extLst>
+              <a:ext uri="{FF2B5EF4-FFF2-40B4-BE49-F238E27FC236}">
+                <a16:creationId xmlns:a16="http://schemas.microsoft.com/office/drawing/2014/main" id="{562754DF-CB0E-46F9-AA3C-00BC673EBDF3}"/>
+              </a:ext>
+            </a:extLst>
+          </p:cNvPr>
+          <p:cNvSpPr>
+            <a:spLocks noGrp="1"/>
+          </p:cNvSpPr>
+          <p:nvPr>
+            <p:ph type="title" hasCustomPrompt="1"/>
+          </p:nvPr>
+        </p:nvSpPr>
+        <p:spPr/>
+        <p:txBody>
+          <a:bodyPr/>
+          <a:lstStyle>
+            <a:lvl1pPr>
+              <a:defRPr/>
+            </a:lvl1pPr>
+          </a:lstStyle>
+          <a:p>
+            <a:r>
+              <a:rPr lang="en-US" dirty="0"/>
+              <a:t> </a:t>
+            </a:r>
+          </a:p>
+        </p:txBody>
+      </p:sp>
+      <p:pic>
+        <p:nvPicPr>
+          <p:cNvPr id="3" name="Picture 2">
+            <a:extLst>
+              <a:ext uri="{FF2B5EF4-FFF2-40B4-BE49-F238E27FC236}">
+                <a16:creationId xmlns:a16="http://schemas.microsoft.com/office/drawing/2014/main" id="{45DCE74C-60B9-4019-9C53-715EEF88741D}"/>
+              </a:ext>
+            </a:extLst>
+          </p:cNvPr>
+          <p:cNvPicPr>
+            <a:picLocks noChangeAspect="1"/>
+          </p:cNvPicPr>
+          <p:nvPr userDrawn="1"/>
+        </p:nvPicPr>
+        <p:blipFill>
+          <a:blip r:embed="rId2"/>
+          <a:stretch>
+            <a:fillRect/>
+          </a:stretch>
+        </p:blipFill>
+        <p:spPr>
+          <a:xfrm>
+            <a:off x="1122201" y="66612"/>
+            <a:ext cx="7180952" cy="961905"/>
+          </a:xfrm>
+          <a:prstGeom prst="rect">
+            <a:avLst/>
+          </a:prstGeom>
+        </p:spPr>
+      </p:pic>
+    </p:spTree>
+    <p:extLst>
+      <p:ext uri="{BB962C8B-B14F-4D97-AF65-F5344CB8AC3E}">
+        <p14:creationId xmlns:p14="http://schemas.microsoft.com/office/powerpoint/2010/main" val="4067517899"/>
+      </p:ext>
+    </p:extLst>
+  </p:cSld>
+  <p:clrMapOvr>
+    <a:masterClrMapping/>
+  </p:clrMapOvr>
+  <p:transition>
+    <p:fade/>
+  </p:transition>
+  <p:extLst>
+    <p:ext uri="{DCECCB84-F9BA-43D5-87BE-67443E8EF086}">
+      <p15:sldGuideLst xmlns:p15="http://schemas.microsoft.com/office/powerpoint/2012/main">
+        <p15:guide id="3" orient="horz" pos="900">
+          <p15:clr>
+            <a:srgbClr val="5ACBF0"/>
+          </p15:clr>
+        </p15:guide>
+        <p15:guide id="4" orient="horz" pos="1276">
+          <p15:clr>
+            <a:srgbClr val="5ACBF0"/>
+          </p15:clr>
+        </p15:guide>
+        <p15:guide id="5" orient="horz" pos="288">
+          <p15:clr>
+            <a:srgbClr val="5ACBF0"/>
+          </p15:clr>
+        </p15:guide>
+      </p15:sldGuideLst>
+    </p:ext>
+  </p:extLst>
+</p:sldLayout>
+</file>
+
 <file path=ppt/slideMasters/slideMaster1.xml><?xml version="1.0" encoding="utf-8"?>
 <p:sldMaster xmlns:a="http://schemas.openxmlformats.org/drawingml/2006/main" xmlns:r="http://schemas.openxmlformats.org/officeDocument/2006/relationships" xmlns:p="http://schemas.openxmlformats.org/presentationml/2006/main">
   <p:cSld>
     <p:bg>
       <p:bgPr>
         <a:blipFill dpi="0" rotWithShape="1">
-          <a:blip r:embed="rId9">
+          <a:blip r:embed="rId10">
             <a:alphaModFix amt="0"/>
           </a:blip>
           <a:srcRect/>
@@ -1766,6 +1891,36 @@
           </a:p>
         </p:txBody>
       </p:sp>
+      <p:pic>
+        <p:nvPicPr>
+          <p:cNvPr id="2" name="Picture 1">
+            <a:extLst>
+              <a:ext uri="{FF2B5EF4-FFF2-40B4-BE49-F238E27FC236}">
+                <a16:creationId xmlns:a16="http://schemas.microsoft.com/office/drawing/2014/main" id="{2E342F8D-E76A-4F87-BED0-4C2AD29540F4}"/>
+              </a:ext>
+            </a:extLst>
+          </p:cNvPr>
+          <p:cNvPicPr>
+            <a:picLocks noChangeAspect="1"/>
+          </p:cNvPicPr>
+          <p:nvPr userDrawn="1"/>
+        </p:nvPicPr>
+        <p:blipFill>
+          <a:blip r:embed="rId11"/>
+          <a:stretch>
+            <a:fillRect/>
+          </a:stretch>
+        </p:blipFill>
+        <p:spPr>
+          <a:xfrm>
+            <a:off x="981524" y="0"/>
+            <a:ext cx="7180952" cy="961905"/>
+          </a:xfrm>
+          <a:prstGeom prst="rect">
+            <a:avLst/>
+          </a:prstGeom>
+        </p:spPr>
+      </p:pic>
     </p:spTree>
     <p:extLst>
       <p:ext uri="{BB962C8B-B14F-4D97-AF65-F5344CB8AC3E}">
@@ -1782,6 +1937,7 @@
     <p:sldLayoutId id="2147483656" r:id="rId5"/>
     <p:sldLayoutId id="2147483657" r:id="rId6"/>
     <p:sldLayoutId id="2147483655" r:id="rId7"/>
+    <p:sldLayoutId id="2147483658" r:id="rId8"/>
   </p:sldLayoutIdLst>
   <p:txStyles>
     <p:titleStyle>
@@ -3230,6 +3386,1723 @@
           <p:cNvPr id="2" name="Title 1">
             <a:extLst>
               <a:ext uri="{FF2B5EF4-FFF2-40B4-BE49-F238E27FC236}">
+                <a16:creationId xmlns:a16="http://schemas.microsoft.com/office/drawing/2014/main" id="{B1761120-E34F-4545-B208-F7C8AD694F0E}"/>
+              </a:ext>
+            </a:extLst>
+          </p:cNvPr>
+          <p:cNvSpPr>
+            <a:spLocks noGrp="1"/>
+          </p:cNvSpPr>
+          <p:nvPr>
+            <p:ph type="title"/>
+          </p:nvPr>
+        </p:nvSpPr>
+        <p:spPr/>
+        <p:txBody>
+          <a:bodyPr/>
+          <a:lstStyle/>
+          <a:p>
+            <a:r>
+              <a:rPr lang="en-US" dirty="0"/>
+              <a:t> </a:t>
+            </a:r>
+          </a:p>
+        </p:txBody>
+      </p:sp>
+      <p:sp>
+        <p:nvSpPr>
+          <p:cNvPr id="3" name="Isosceles Triangle 2">
+            <a:extLst>
+              <a:ext uri="{FF2B5EF4-FFF2-40B4-BE49-F238E27FC236}">
+                <a16:creationId xmlns:a16="http://schemas.microsoft.com/office/drawing/2014/main" id="{63995069-69E5-4381-9671-C69866B93FC4}"/>
+              </a:ext>
+            </a:extLst>
+          </p:cNvPr>
+          <p:cNvSpPr/>
+          <p:nvPr/>
+        </p:nvSpPr>
+        <p:spPr>
+          <a:xfrm>
+            <a:off x="2487120" y="1089189"/>
+            <a:ext cx="4169760" cy="3122052"/>
+          </a:xfrm>
+          <a:prstGeom prst="triangle">
+            <a:avLst/>
+          </a:prstGeom>
+          <a:solidFill>
+            <a:schemeClr val="accent1"/>
+          </a:solidFill>
+          <a:ln>
+            <a:noFill/>
+          </a:ln>
+          <a:effectLst/>
+        </p:spPr>
+        <p:style>
+          <a:lnRef idx="2">
+            <a:schemeClr val="accent1"/>
+          </a:lnRef>
+          <a:fillRef idx="0">
+            <a:schemeClr val="accent1"/>
+          </a:fillRef>
+          <a:effectRef idx="1">
+            <a:schemeClr val="accent1"/>
+          </a:effectRef>
+          <a:fontRef idx="minor">
+            <a:schemeClr val="tx1"/>
+          </a:fontRef>
+        </p:style>
+        <p:txBody>
+          <a:bodyPr lIns="137160" tIns="137160" rIns="137160" bIns="137160" rtlCol="0" anchor="ctr"/>
+          <a:lstStyle>
+            <a:defPPr>
+              <a:defRPr lang="en-US"/>
+            </a:defPPr>
+            <a:lvl1pPr algn="l" rtl="0" eaLnBrk="0" fontAlgn="base" hangingPunct="0">
+              <a:spcBef>
+                <a:spcPct val="0"/>
+              </a:spcBef>
+              <a:spcAft>
+                <a:spcPct val="0"/>
+              </a:spcAft>
+              <a:defRPr kern="1200">
+                <a:solidFill>
+                  <a:schemeClr val="tx1"/>
+                </a:solidFill>
+                <a:latin typeface="+mn-lt"/>
+                <a:ea typeface="+mn-ea"/>
+                <a:cs typeface="+mn-cs"/>
+              </a:defRPr>
+            </a:lvl1pPr>
+            <a:lvl2pPr marL="457200" algn="l" rtl="0" eaLnBrk="0" fontAlgn="base" hangingPunct="0">
+              <a:spcBef>
+                <a:spcPct val="0"/>
+              </a:spcBef>
+              <a:spcAft>
+                <a:spcPct val="0"/>
+              </a:spcAft>
+              <a:defRPr kern="1200">
+                <a:solidFill>
+                  <a:schemeClr val="tx1"/>
+                </a:solidFill>
+                <a:latin typeface="+mn-lt"/>
+                <a:ea typeface="+mn-ea"/>
+                <a:cs typeface="+mn-cs"/>
+              </a:defRPr>
+            </a:lvl2pPr>
+            <a:lvl3pPr marL="914400" algn="l" rtl="0" eaLnBrk="0" fontAlgn="base" hangingPunct="0">
+              <a:spcBef>
+                <a:spcPct val="0"/>
+              </a:spcBef>
+              <a:spcAft>
+                <a:spcPct val="0"/>
+              </a:spcAft>
+              <a:defRPr kern="1200">
+                <a:solidFill>
+                  <a:schemeClr val="tx1"/>
+                </a:solidFill>
+                <a:latin typeface="+mn-lt"/>
+                <a:ea typeface="+mn-ea"/>
+                <a:cs typeface="+mn-cs"/>
+              </a:defRPr>
+            </a:lvl3pPr>
+            <a:lvl4pPr marL="1371600" algn="l" rtl="0" eaLnBrk="0" fontAlgn="base" hangingPunct="0">
+              <a:spcBef>
+                <a:spcPct val="0"/>
+              </a:spcBef>
+              <a:spcAft>
+                <a:spcPct val="0"/>
+              </a:spcAft>
+              <a:defRPr kern="1200">
+                <a:solidFill>
+                  <a:schemeClr val="tx1"/>
+                </a:solidFill>
+                <a:latin typeface="+mn-lt"/>
+                <a:ea typeface="+mn-ea"/>
+                <a:cs typeface="+mn-cs"/>
+              </a:defRPr>
+            </a:lvl4pPr>
+            <a:lvl5pPr marL="1828800" algn="l" rtl="0" eaLnBrk="0" fontAlgn="base" hangingPunct="0">
+              <a:spcBef>
+                <a:spcPct val="0"/>
+              </a:spcBef>
+              <a:spcAft>
+                <a:spcPct val="0"/>
+              </a:spcAft>
+              <a:defRPr kern="1200">
+                <a:solidFill>
+                  <a:schemeClr val="tx1"/>
+                </a:solidFill>
+                <a:latin typeface="+mn-lt"/>
+                <a:ea typeface="+mn-ea"/>
+                <a:cs typeface="+mn-cs"/>
+              </a:defRPr>
+            </a:lvl5pPr>
+            <a:lvl6pPr marL="2286000" algn="l" defTabSz="914400" rtl="0" eaLnBrk="1" latinLnBrk="0" hangingPunct="1">
+              <a:defRPr kern="1200">
+                <a:solidFill>
+                  <a:schemeClr val="tx1"/>
+                </a:solidFill>
+                <a:latin typeface="+mn-lt"/>
+                <a:ea typeface="+mn-ea"/>
+                <a:cs typeface="+mn-cs"/>
+              </a:defRPr>
+            </a:lvl6pPr>
+            <a:lvl7pPr marL="2743200" algn="l" defTabSz="914400" rtl="0" eaLnBrk="1" latinLnBrk="0" hangingPunct="1">
+              <a:defRPr kern="1200">
+                <a:solidFill>
+                  <a:schemeClr val="tx1"/>
+                </a:solidFill>
+                <a:latin typeface="+mn-lt"/>
+                <a:ea typeface="+mn-ea"/>
+                <a:cs typeface="+mn-cs"/>
+              </a:defRPr>
+            </a:lvl7pPr>
+            <a:lvl8pPr marL="3200400" algn="l" defTabSz="914400" rtl="0" eaLnBrk="1" latinLnBrk="0" hangingPunct="1">
+              <a:defRPr kern="1200">
+                <a:solidFill>
+                  <a:schemeClr val="tx1"/>
+                </a:solidFill>
+                <a:latin typeface="+mn-lt"/>
+                <a:ea typeface="+mn-ea"/>
+                <a:cs typeface="+mn-cs"/>
+              </a:defRPr>
+            </a:lvl8pPr>
+            <a:lvl9pPr marL="3657600" algn="l" defTabSz="914400" rtl="0" eaLnBrk="1" latinLnBrk="0" hangingPunct="1">
+              <a:defRPr kern="1200">
+                <a:solidFill>
+                  <a:schemeClr val="tx1"/>
+                </a:solidFill>
+                <a:latin typeface="+mn-lt"/>
+                <a:ea typeface="+mn-ea"/>
+                <a:cs typeface="+mn-cs"/>
+              </a:defRPr>
+            </a:lvl9pPr>
+          </a:lstStyle>
+          <a:p>
+            <a:pPr algn="ctr">
+              <a:spcBef>
+                <a:spcPts val="450"/>
+              </a:spcBef>
+            </a:pPr>
+            <a:r>
+              <a:rPr lang="en-US" dirty="0">
+                <a:solidFill>
+                  <a:schemeClr val="bg1"/>
+                </a:solidFill>
+              </a:rPr>
+              <a:t>Interdependence</a:t>
+            </a:r>
+          </a:p>
+        </p:txBody>
+      </p:sp>
+      <p:sp>
+        <p:nvSpPr>
+          <p:cNvPr id="4" name="TextBox 3">
+            <a:extLst>
+              <a:ext uri="{FF2B5EF4-FFF2-40B4-BE49-F238E27FC236}">
+                <a16:creationId xmlns:a16="http://schemas.microsoft.com/office/drawing/2014/main" id="{5F6A2048-FB70-46D4-A516-B738655F7FD6}"/>
+              </a:ext>
+            </a:extLst>
+          </p:cNvPr>
+          <p:cNvSpPr txBox="1"/>
+          <p:nvPr/>
+        </p:nvSpPr>
+        <p:spPr>
+          <a:xfrm>
+            <a:off x="1905814" y="2119301"/>
+            <a:ext cx="1968335" cy="553998"/>
+          </a:xfrm>
+          <a:prstGeom prst="rect">
+            <a:avLst/>
+          </a:prstGeom>
+          <a:noFill/>
+        </p:spPr>
+        <p:txBody>
+          <a:bodyPr wrap="square" rtlCol="0">
+            <a:spAutoFit/>
+          </a:bodyPr>
+          <a:lstStyle>
+            <a:defPPr>
+              <a:defRPr lang="en-US"/>
+            </a:defPPr>
+            <a:lvl1pPr algn="l" rtl="0" eaLnBrk="0" fontAlgn="base" hangingPunct="0">
+              <a:spcBef>
+                <a:spcPct val="0"/>
+              </a:spcBef>
+              <a:spcAft>
+                <a:spcPct val="0"/>
+              </a:spcAft>
+              <a:defRPr kern="1200">
+                <a:solidFill>
+                  <a:schemeClr val="tx1"/>
+                </a:solidFill>
+                <a:latin typeface="Gotham Medium" panose="02000604030000020004" pitchFamily="50" charset="0"/>
+                <a:ea typeface="+mn-ea"/>
+                <a:cs typeface="+mn-cs"/>
+              </a:defRPr>
+            </a:lvl1pPr>
+            <a:lvl2pPr marL="457200" algn="l" rtl="0" eaLnBrk="0" fontAlgn="base" hangingPunct="0">
+              <a:spcBef>
+                <a:spcPct val="0"/>
+              </a:spcBef>
+              <a:spcAft>
+                <a:spcPct val="0"/>
+              </a:spcAft>
+              <a:defRPr kern="1200">
+                <a:solidFill>
+                  <a:schemeClr val="tx1"/>
+                </a:solidFill>
+                <a:latin typeface="Gotham Medium" panose="02000604030000020004" pitchFamily="50" charset="0"/>
+                <a:ea typeface="+mn-ea"/>
+                <a:cs typeface="+mn-cs"/>
+              </a:defRPr>
+            </a:lvl2pPr>
+            <a:lvl3pPr marL="914400" algn="l" rtl="0" eaLnBrk="0" fontAlgn="base" hangingPunct="0">
+              <a:spcBef>
+                <a:spcPct val="0"/>
+              </a:spcBef>
+              <a:spcAft>
+                <a:spcPct val="0"/>
+              </a:spcAft>
+              <a:defRPr kern="1200">
+                <a:solidFill>
+                  <a:schemeClr val="tx1"/>
+                </a:solidFill>
+                <a:latin typeface="Gotham Medium" panose="02000604030000020004" pitchFamily="50" charset="0"/>
+                <a:ea typeface="+mn-ea"/>
+                <a:cs typeface="+mn-cs"/>
+              </a:defRPr>
+            </a:lvl3pPr>
+            <a:lvl4pPr marL="1371600" algn="l" rtl="0" eaLnBrk="0" fontAlgn="base" hangingPunct="0">
+              <a:spcBef>
+                <a:spcPct val="0"/>
+              </a:spcBef>
+              <a:spcAft>
+                <a:spcPct val="0"/>
+              </a:spcAft>
+              <a:defRPr kern="1200">
+                <a:solidFill>
+                  <a:schemeClr val="tx1"/>
+                </a:solidFill>
+                <a:latin typeface="Gotham Medium" panose="02000604030000020004" pitchFamily="50" charset="0"/>
+                <a:ea typeface="+mn-ea"/>
+                <a:cs typeface="+mn-cs"/>
+              </a:defRPr>
+            </a:lvl4pPr>
+            <a:lvl5pPr marL="1828800" algn="l" rtl="0" eaLnBrk="0" fontAlgn="base" hangingPunct="0">
+              <a:spcBef>
+                <a:spcPct val="0"/>
+              </a:spcBef>
+              <a:spcAft>
+                <a:spcPct val="0"/>
+              </a:spcAft>
+              <a:defRPr kern="1200">
+                <a:solidFill>
+                  <a:schemeClr val="tx1"/>
+                </a:solidFill>
+                <a:latin typeface="Gotham Medium" panose="02000604030000020004" pitchFamily="50" charset="0"/>
+                <a:ea typeface="+mn-ea"/>
+                <a:cs typeface="+mn-cs"/>
+              </a:defRPr>
+            </a:lvl5pPr>
+            <a:lvl6pPr marL="2286000" algn="l" defTabSz="914400" rtl="0" eaLnBrk="1" latinLnBrk="0" hangingPunct="1">
+              <a:defRPr kern="1200">
+                <a:solidFill>
+                  <a:schemeClr val="tx1"/>
+                </a:solidFill>
+                <a:latin typeface="Gotham Medium" panose="02000604030000020004" pitchFamily="50" charset="0"/>
+                <a:ea typeface="+mn-ea"/>
+                <a:cs typeface="+mn-cs"/>
+              </a:defRPr>
+            </a:lvl6pPr>
+            <a:lvl7pPr marL="2743200" algn="l" defTabSz="914400" rtl="0" eaLnBrk="1" latinLnBrk="0" hangingPunct="1">
+              <a:defRPr kern="1200">
+                <a:solidFill>
+                  <a:schemeClr val="tx1"/>
+                </a:solidFill>
+                <a:latin typeface="Gotham Medium" panose="02000604030000020004" pitchFamily="50" charset="0"/>
+                <a:ea typeface="+mn-ea"/>
+                <a:cs typeface="+mn-cs"/>
+              </a:defRPr>
+            </a:lvl7pPr>
+            <a:lvl8pPr marL="3200400" algn="l" defTabSz="914400" rtl="0" eaLnBrk="1" latinLnBrk="0" hangingPunct="1">
+              <a:defRPr kern="1200">
+                <a:solidFill>
+                  <a:schemeClr val="tx1"/>
+                </a:solidFill>
+                <a:latin typeface="Gotham Medium" panose="02000604030000020004" pitchFamily="50" charset="0"/>
+                <a:ea typeface="+mn-ea"/>
+                <a:cs typeface="+mn-cs"/>
+              </a:defRPr>
+            </a:lvl8pPr>
+            <a:lvl9pPr marL="3657600" algn="l" defTabSz="914400" rtl="0" eaLnBrk="1" latinLnBrk="0" hangingPunct="1">
+              <a:defRPr kern="1200">
+                <a:solidFill>
+                  <a:schemeClr val="tx1"/>
+                </a:solidFill>
+                <a:latin typeface="Gotham Medium" panose="02000604030000020004" pitchFamily="50" charset="0"/>
+                <a:ea typeface="+mn-ea"/>
+                <a:cs typeface="+mn-cs"/>
+              </a:defRPr>
+            </a:lvl9pPr>
+          </a:lstStyle>
+          <a:p>
+            <a:pPr algn="ctr"/>
+            <a:r>
+              <a:rPr lang="en-US" sz="1500" dirty="0"/>
+              <a:t>Content knowledge</a:t>
+            </a:r>
+          </a:p>
+        </p:txBody>
+      </p:sp>
+      <p:sp>
+        <p:nvSpPr>
+          <p:cNvPr id="5" name="TextBox 4">
+            <a:extLst>
+              <a:ext uri="{FF2B5EF4-FFF2-40B4-BE49-F238E27FC236}">
+                <a16:creationId xmlns:a16="http://schemas.microsoft.com/office/drawing/2014/main" id="{9EE7D8EA-D531-43B6-821A-549B9677E818}"/>
+              </a:ext>
+            </a:extLst>
+          </p:cNvPr>
+          <p:cNvSpPr txBox="1"/>
+          <p:nvPr/>
+        </p:nvSpPr>
+        <p:spPr>
+          <a:xfrm>
+            <a:off x="5269853" y="2119301"/>
+            <a:ext cx="1968335" cy="553998"/>
+          </a:xfrm>
+          <a:prstGeom prst="rect">
+            <a:avLst/>
+          </a:prstGeom>
+          <a:noFill/>
+        </p:spPr>
+        <p:txBody>
+          <a:bodyPr wrap="square" rtlCol="0">
+            <a:spAutoFit/>
+          </a:bodyPr>
+          <a:lstStyle>
+            <a:defPPr>
+              <a:defRPr lang="en-US"/>
+            </a:defPPr>
+            <a:lvl1pPr algn="l" rtl="0" eaLnBrk="0" fontAlgn="base" hangingPunct="0">
+              <a:spcBef>
+                <a:spcPct val="0"/>
+              </a:spcBef>
+              <a:spcAft>
+                <a:spcPct val="0"/>
+              </a:spcAft>
+              <a:defRPr kern="1200">
+                <a:solidFill>
+                  <a:schemeClr val="tx1"/>
+                </a:solidFill>
+                <a:latin typeface="Gotham Medium" panose="02000604030000020004" pitchFamily="50" charset="0"/>
+                <a:ea typeface="+mn-ea"/>
+                <a:cs typeface="+mn-cs"/>
+              </a:defRPr>
+            </a:lvl1pPr>
+            <a:lvl2pPr marL="457200" algn="l" rtl="0" eaLnBrk="0" fontAlgn="base" hangingPunct="0">
+              <a:spcBef>
+                <a:spcPct val="0"/>
+              </a:spcBef>
+              <a:spcAft>
+                <a:spcPct val="0"/>
+              </a:spcAft>
+              <a:defRPr kern="1200">
+                <a:solidFill>
+                  <a:schemeClr val="tx1"/>
+                </a:solidFill>
+                <a:latin typeface="Gotham Medium" panose="02000604030000020004" pitchFamily="50" charset="0"/>
+                <a:ea typeface="+mn-ea"/>
+                <a:cs typeface="+mn-cs"/>
+              </a:defRPr>
+            </a:lvl2pPr>
+            <a:lvl3pPr marL="914400" algn="l" rtl="0" eaLnBrk="0" fontAlgn="base" hangingPunct="0">
+              <a:spcBef>
+                <a:spcPct val="0"/>
+              </a:spcBef>
+              <a:spcAft>
+                <a:spcPct val="0"/>
+              </a:spcAft>
+              <a:defRPr kern="1200">
+                <a:solidFill>
+                  <a:schemeClr val="tx1"/>
+                </a:solidFill>
+                <a:latin typeface="Gotham Medium" panose="02000604030000020004" pitchFamily="50" charset="0"/>
+                <a:ea typeface="+mn-ea"/>
+                <a:cs typeface="+mn-cs"/>
+              </a:defRPr>
+            </a:lvl3pPr>
+            <a:lvl4pPr marL="1371600" algn="l" rtl="0" eaLnBrk="0" fontAlgn="base" hangingPunct="0">
+              <a:spcBef>
+                <a:spcPct val="0"/>
+              </a:spcBef>
+              <a:spcAft>
+                <a:spcPct val="0"/>
+              </a:spcAft>
+              <a:defRPr kern="1200">
+                <a:solidFill>
+                  <a:schemeClr val="tx1"/>
+                </a:solidFill>
+                <a:latin typeface="Gotham Medium" panose="02000604030000020004" pitchFamily="50" charset="0"/>
+                <a:ea typeface="+mn-ea"/>
+                <a:cs typeface="+mn-cs"/>
+              </a:defRPr>
+            </a:lvl4pPr>
+            <a:lvl5pPr marL="1828800" algn="l" rtl="0" eaLnBrk="0" fontAlgn="base" hangingPunct="0">
+              <a:spcBef>
+                <a:spcPct val="0"/>
+              </a:spcBef>
+              <a:spcAft>
+                <a:spcPct val="0"/>
+              </a:spcAft>
+              <a:defRPr kern="1200">
+                <a:solidFill>
+                  <a:schemeClr val="tx1"/>
+                </a:solidFill>
+                <a:latin typeface="Gotham Medium" panose="02000604030000020004" pitchFamily="50" charset="0"/>
+                <a:ea typeface="+mn-ea"/>
+                <a:cs typeface="+mn-cs"/>
+              </a:defRPr>
+            </a:lvl5pPr>
+            <a:lvl6pPr marL="2286000" algn="l" defTabSz="914400" rtl="0" eaLnBrk="1" latinLnBrk="0" hangingPunct="1">
+              <a:defRPr kern="1200">
+                <a:solidFill>
+                  <a:schemeClr val="tx1"/>
+                </a:solidFill>
+                <a:latin typeface="Gotham Medium" panose="02000604030000020004" pitchFamily="50" charset="0"/>
+                <a:ea typeface="+mn-ea"/>
+                <a:cs typeface="+mn-cs"/>
+              </a:defRPr>
+            </a:lvl6pPr>
+            <a:lvl7pPr marL="2743200" algn="l" defTabSz="914400" rtl="0" eaLnBrk="1" latinLnBrk="0" hangingPunct="1">
+              <a:defRPr kern="1200">
+                <a:solidFill>
+                  <a:schemeClr val="tx1"/>
+                </a:solidFill>
+                <a:latin typeface="Gotham Medium" panose="02000604030000020004" pitchFamily="50" charset="0"/>
+                <a:ea typeface="+mn-ea"/>
+                <a:cs typeface="+mn-cs"/>
+              </a:defRPr>
+            </a:lvl7pPr>
+            <a:lvl8pPr marL="3200400" algn="l" defTabSz="914400" rtl="0" eaLnBrk="1" latinLnBrk="0" hangingPunct="1">
+              <a:defRPr kern="1200">
+                <a:solidFill>
+                  <a:schemeClr val="tx1"/>
+                </a:solidFill>
+                <a:latin typeface="Gotham Medium" panose="02000604030000020004" pitchFamily="50" charset="0"/>
+                <a:ea typeface="+mn-ea"/>
+                <a:cs typeface="+mn-cs"/>
+              </a:defRPr>
+            </a:lvl8pPr>
+            <a:lvl9pPr marL="3657600" algn="l" defTabSz="914400" rtl="0" eaLnBrk="1" latinLnBrk="0" hangingPunct="1">
+              <a:defRPr kern="1200">
+                <a:solidFill>
+                  <a:schemeClr val="tx1"/>
+                </a:solidFill>
+                <a:latin typeface="Gotham Medium" panose="02000604030000020004" pitchFamily="50" charset="0"/>
+                <a:ea typeface="+mn-ea"/>
+                <a:cs typeface="+mn-cs"/>
+              </a:defRPr>
+            </a:lvl9pPr>
+          </a:lstStyle>
+          <a:p>
+            <a:pPr algn="ctr"/>
+            <a:r>
+              <a:rPr lang="en-US" sz="1500" dirty="0"/>
+              <a:t>Practical application</a:t>
+            </a:r>
+          </a:p>
+        </p:txBody>
+      </p:sp>
+      <p:sp>
+        <p:nvSpPr>
+          <p:cNvPr id="6" name="TextBox 5">
+            <a:extLst>
+              <a:ext uri="{FF2B5EF4-FFF2-40B4-BE49-F238E27FC236}">
+                <a16:creationId xmlns:a16="http://schemas.microsoft.com/office/drawing/2014/main" id="{689C4BAF-D29C-41B7-A22E-C1DCBB043612}"/>
+              </a:ext>
+            </a:extLst>
+          </p:cNvPr>
+          <p:cNvSpPr txBox="1"/>
+          <p:nvPr/>
+        </p:nvSpPr>
+        <p:spPr>
+          <a:xfrm>
+            <a:off x="3248347" y="4241949"/>
+            <a:ext cx="2647307" cy="323165"/>
+          </a:xfrm>
+          <a:prstGeom prst="rect">
+            <a:avLst/>
+          </a:prstGeom>
+          <a:noFill/>
+        </p:spPr>
+        <p:txBody>
+          <a:bodyPr wrap="square" rtlCol="0">
+            <a:spAutoFit/>
+          </a:bodyPr>
+          <a:lstStyle>
+            <a:defPPr>
+              <a:defRPr lang="en-US"/>
+            </a:defPPr>
+            <a:lvl1pPr algn="l" rtl="0" eaLnBrk="0" fontAlgn="base" hangingPunct="0">
+              <a:spcBef>
+                <a:spcPct val="0"/>
+              </a:spcBef>
+              <a:spcAft>
+                <a:spcPct val="0"/>
+              </a:spcAft>
+              <a:defRPr kern="1200">
+                <a:solidFill>
+                  <a:schemeClr val="tx1"/>
+                </a:solidFill>
+                <a:latin typeface="Gotham Medium" panose="02000604030000020004" pitchFamily="50" charset="0"/>
+                <a:ea typeface="+mn-ea"/>
+                <a:cs typeface="+mn-cs"/>
+              </a:defRPr>
+            </a:lvl1pPr>
+            <a:lvl2pPr marL="457200" algn="l" rtl="0" eaLnBrk="0" fontAlgn="base" hangingPunct="0">
+              <a:spcBef>
+                <a:spcPct val="0"/>
+              </a:spcBef>
+              <a:spcAft>
+                <a:spcPct val="0"/>
+              </a:spcAft>
+              <a:defRPr kern="1200">
+                <a:solidFill>
+                  <a:schemeClr val="tx1"/>
+                </a:solidFill>
+                <a:latin typeface="Gotham Medium" panose="02000604030000020004" pitchFamily="50" charset="0"/>
+                <a:ea typeface="+mn-ea"/>
+                <a:cs typeface="+mn-cs"/>
+              </a:defRPr>
+            </a:lvl2pPr>
+            <a:lvl3pPr marL="914400" algn="l" rtl="0" eaLnBrk="0" fontAlgn="base" hangingPunct="0">
+              <a:spcBef>
+                <a:spcPct val="0"/>
+              </a:spcBef>
+              <a:spcAft>
+                <a:spcPct val="0"/>
+              </a:spcAft>
+              <a:defRPr kern="1200">
+                <a:solidFill>
+                  <a:schemeClr val="tx1"/>
+                </a:solidFill>
+                <a:latin typeface="Gotham Medium" panose="02000604030000020004" pitchFamily="50" charset="0"/>
+                <a:ea typeface="+mn-ea"/>
+                <a:cs typeface="+mn-cs"/>
+              </a:defRPr>
+            </a:lvl3pPr>
+            <a:lvl4pPr marL="1371600" algn="l" rtl="0" eaLnBrk="0" fontAlgn="base" hangingPunct="0">
+              <a:spcBef>
+                <a:spcPct val="0"/>
+              </a:spcBef>
+              <a:spcAft>
+                <a:spcPct val="0"/>
+              </a:spcAft>
+              <a:defRPr kern="1200">
+                <a:solidFill>
+                  <a:schemeClr val="tx1"/>
+                </a:solidFill>
+                <a:latin typeface="Gotham Medium" panose="02000604030000020004" pitchFamily="50" charset="0"/>
+                <a:ea typeface="+mn-ea"/>
+                <a:cs typeface="+mn-cs"/>
+              </a:defRPr>
+            </a:lvl4pPr>
+            <a:lvl5pPr marL="1828800" algn="l" rtl="0" eaLnBrk="0" fontAlgn="base" hangingPunct="0">
+              <a:spcBef>
+                <a:spcPct val="0"/>
+              </a:spcBef>
+              <a:spcAft>
+                <a:spcPct val="0"/>
+              </a:spcAft>
+              <a:defRPr kern="1200">
+                <a:solidFill>
+                  <a:schemeClr val="tx1"/>
+                </a:solidFill>
+                <a:latin typeface="Gotham Medium" panose="02000604030000020004" pitchFamily="50" charset="0"/>
+                <a:ea typeface="+mn-ea"/>
+                <a:cs typeface="+mn-cs"/>
+              </a:defRPr>
+            </a:lvl5pPr>
+            <a:lvl6pPr marL="2286000" algn="l" defTabSz="914400" rtl="0" eaLnBrk="1" latinLnBrk="0" hangingPunct="1">
+              <a:defRPr kern="1200">
+                <a:solidFill>
+                  <a:schemeClr val="tx1"/>
+                </a:solidFill>
+                <a:latin typeface="Gotham Medium" panose="02000604030000020004" pitchFamily="50" charset="0"/>
+                <a:ea typeface="+mn-ea"/>
+                <a:cs typeface="+mn-cs"/>
+              </a:defRPr>
+            </a:lvl6pPr>
+            <a:lvl7pPr marL="2743200" algn="l" defTabSz="914400" rtl="0" eaLnBrk="1" latinLnBrk="0" hangingPunct="1">
+              <a:defRPr kern="1200">
+                <a:solidFill>
+                  <a:schemeClr val="tx1"/>
+                </a:solidFill>
+                <a:latin typeface="Gotham Medium" panose="02000604030000020004" pitchFamily="50" charset="0"/>
+                <a:ea typeface="+mn-ea"/>
+                <a:cs typeface="+mn-cs"/>
+              </a:defRPr>
+            </a:lvl7pPr>
+            <a:lvl8pPr marL="3200400" algn="l" defTabSz="914400" rtl="0" eaLnBrk="1" latinLnBrk="0" hangingPunct="1">
+              <a:defRPr kern="1200">
+                <a:solidFill>
+                  <a:schemeClr val="tx1"/>
+                </a:solidFill>
+                <a:latin typeface="Gotham Medium" panose="02000604030000020004" pitchFamily="50" charset="0"/>
+                <a:ea typeface="+mn-ea"/>
+                <a:cs typeface="+mn-cs"/>
+              </a:defRPr>
+            </a:lvl8pPr>
+            <a:lvl9pPr marL="3657600" algn="l" defTabSz="914400" rtl="0" eaLnBrk="1" latinLnBrk="0" hangingPunct="1">
+              <a:defRPr kern="1200">
+                <a:solidFill>
+                  <a:schemeClr val="tx1"/>
+                </a:solidFill>
+                <a:latin typeface="Gotham Medium" panose="02000604030000020004" pitchFamily="50" charset="0"/>
+                <a:ea typeface="+mn-ea"/>
+                <a:cs typeface="+mn-cs"/>
+              </a:defRPr>
+            </a:lvl9pPr>
+          </a:lstStyle>
+          <a:p>
+            <a:pPr algn="ctr"/>
+            <a:r>
+              <a:rPr lang="en-US" sz="1500" dirty="0"/>
+              <a:t>Test-taking skills</a:t>
+            </a:r>
+          </a:p>
+        </p:txBody>
+      </p:sp>
+      <p:sp>
+        <p:nvSpPr>
+          <p:cNvPr id="7" name="Rectangle 6">
+            <a:extLst>
+              <a:ext uri="{FF2B5EF4-FFF2-40B4-BE49-F238E27FC236}">
+                <a16:creationId xmlns:a16="http://schemas.microsoft.com/office/drawing/2014/main" id="{7C30ADE8-5344-4383-B36B-B9458A149C4F}"/>
+              </a:ext>
+            </a:extLst>
+          </p:cNvPr>
+          <p:cNvSpPr/>
+          <p:nvPr/>
+        </p:nvSpPr>
+        <p:spPr>
+          <a:xfrm>
+            <a:off x="-1" y="196815"/>
+            <a:ext cx="9050215" cy="523220"/>
+          </a:xfrm>
+          <a:prstGeom prst="rect">
+            <a:avLst/>
+          </a:prstGeom>
+        </p:spPr>
+        <p:txBody>
+          <a:bodyPr wrap="square">
+            <a:spAutoFit/>
+          </a:bodyPr>
+          <a:lstStyle/>
+          <a:p>
+            <a:pPr algn="ctr"/>
+            <a:r>
+              <a:rPr lang="en-US" sz="2800" dirty="0">
+                <a:latin typeface="Tahoma" panose="020B0604030504040204" pitchFamily="34" charset="0"/>
+                <a:ea typeface="Tahoma" panose="020B0604030504040204" pitchFamily="34" charset="0"/>
+                <a:cs typeface="Tahoma" panose="020B0604030504040204" pitchFamily="34" charset="0"/>
+              </a:rPr>
+              <a:t>Tim's Certification Study Pyramid</a:t>
+            </a:r>
+            <a:endParaRPr lang="en-US" sz="2800" dirty="0"/>
+          </a:p>
+        </p:txBody>
+      </p:sp>
+    </p:spTree>
+    <p:extLst>
+      <p:ext uri="{BB962C8B-B14F-4D97-AF65-F5344CB8AC3E}">
+        <p14:creationId xmlns:p14="http://schemas.microsoft.com/office/powerpoint/2010/main" val="4210316572"/>
+      </p:ext>
+    </p:extLst>
+  </p:cSld>
+  <p:clrMapOvr>
+    <a:masterClrMapping/>
+  </p:clrMapOvr>
+  <p:transition>
+    <p:fade/>
+  </p:transition>
+</p:sld>
+</file>
+
+<file path=ppt/slides/slide22.xml><?xml version="1.0" encoding="utf-8"?>
+<p:sld xmlns:a="http://schemas.openxmlformats.org/drawingml/2006/main" xmlns:r="http://schemas.openxmlformats.org/officeDocument/2006/relationships" xmlns:p="http://schemas.openxmlformats.org/presentationml/2006/main">
+  <p:cSld>
+    <p:spTree>
+      <p:nvGrpSpPr>
+        <p:cNvPr id="1" name=""/>
+        <p:cNvGrpSpPr/>
+        <p:nvPr/>
+      </p:nvGrpSpPr>
+      <p:grpSpPr>
+        <a:xfrm>
+          <a:off x="0" y="0"/>
+          <a:ext cx="0" cy="0"/>
+          <a:chOff x="0" y="0"/>
+          <a:chExt cx="0" cy="0"/>
+        </a:xfrm>
+      </p:grpSpPr>
+      <p:sp>
+        <p:nvSpPr>
+          <p:cNvPr id="2" name="Title 1">
+            <a:extLst>
+              <a:ext uri="{FF2B5EF4-FFF2-40B4-BE49-F238E27FC236}">
+                <a16:creationId xmlns:a16="http://schemas.microsoft.com/office/drawing/2014/main" id="{C5F828C9-CB74-45B7-A7C6-4911EC5BDC28}"/>
+              </a:ext>
+            </a:extLst>
+          </p:cNvPr>
+          <p:cNvSpPr>
+            <a:spLocks noGrp="1"/>
+          </p:cNvSpPr>
+          <p:nvPr>
+            <p:ph type="title"/>
+          </p:nvPr>
+        </p:nvSpPr>
+        <p:spPr/>
+        <p:txBody>
+          <a:bodyPr/>
+          <a:lstStyle/>
+          <a:p>
+            <a:r>
+              <a:rPr lang="en-US" dirty="0"/>
+              <a:t>  Digital Credentials by </a:t>
+            </a:r>
+            <a:r>
+              <a:rPr lang="en-US" dirty="0" err="1"/>
+              <a:t>Credly</a:t>
+            </a:r>
+            <a:r>
+              <a:rPr lang="en-US" dirty="0"/>
+              <a:t>/Acclaim</a:t>
+            </a:r>
+          </a:p>
+        </p:txBody>
+      </p:sp>
+      <p:pic>
+        <p:nvPicPr>
+          <p:cNvPr id="3" name="Picture 2">
+            <a:extLst>
+              <a:ext uri="{FF2B5EF4-FFF2-40B4-BE49-F238E27FC236}">
+                <a16:creationId xmlns:a16="http://schemas.microsoft.com/office/drawing/2014/main" id="{E59ABE19-DF9A-4B30-9C94-3C0D003E2D6F}"/>
+              </a:ext>
+            </a:extLst>
+          </p:cNvPr>
+          <p:cNvPicPr>
+            <a:picLocks noChangeAspect="1"/>
+          </p:cNvPicPr>
+          <p:nvPr/>
+        </p:nvPicPr>
+        <p:blipFill>
+          <a:blip r:embed="rId2"/>
+          <a:stretch>
+            <a:fillRect/>
+          </a:stretch>
+        </p:blipFill>
+        <p:spPr>
+          <a:xfrm>
+            <a:off x="2225842" y="855433"/>
+            <a:ext cx="4692316" cy="4214212"/>
+          </a:xfrm>
+          <a:prstGeom prst="rect">
+            <a:avLst/>
+          </a:prstGeom>
+        </p:spPr>
+      </p:pic>
+    </p:spTree>
+    <p:extLst>
+      <p:ext uri="{BB962C8B-B14F-4D97-AF65-F5344CB8AC3E}">
+        <p14:creationId xmlns:p14="http://schemas.microsoft.com/office/powerpoint/2010/main" val="1221202731"/>
+      </p:ext>
+    </p:extLst>
+  </p:cSld>
+  <p:clrMapOvr>
+    <a:masterClrMapping/>
+  </p:clrMapOvr>
+  <p:transition>
+    <p:fade/>
+  </p:transition>
+</p:sld>
+</file>
+
+<file path=ppt/slides/slide23.xml><?xml version="1.0" encoding="utf-8"?>
+<p:sld xmlns:a="http://schemas.openxmlformats.org/drawingml/2006/main" xmlns:r="http://schemas.openxmlformats.org/officeDocument/2006/relationships" xmlns:p="http://schemas.openxmlformats.org/presentationml/2006/main">
+  <p:cSld>
+    <p:spTree>
+      <p:nvGrpSpPr>
+        <p:cNvPr id="1" name=""/>
+        <p:cNvGrpSpPr/>
+        <p:nvPr/>
+      </p:nvGrpSpPr>
+      <p:grpSpPr>
+        <a:xfrm>
+          <a:off x="0" y="0"/>
+          <a:ext cx="0" cy="0"/>
+          <a:chOff x="0" y="0"/>
+          <a:chExt cx="0" cy="0"/>
+        </a:xfrm>
+      </p:grpSpPr>
+      <p:sp>
+        <p:nvSpPr>
+          <p:cNvPr id="2" name="Title 1">
+            <a:extLst>
+              <a:ext uri="{FF2B5EF4-FFF2-40B4-BE49-F238E27FC236}">
+                <a16:creationId xmlns:a16="http://schemas.microsoft.com/office/drawing/2014/main" id="{857346B4-D857-4401-A834-5F330F58D55D}"/>
+              </a:ext>
+            </a:extLst>
+          </p:cNvPr>
+          <p:cNvSpPr>
+            <a:spLocks noGrp="1"/>
+          </p:cNvSpPr>
+          <p:nvPr>
+            <p:ph type="title"/>
+          </p:nvPr>
+        </p:nvSpPr>
+        <p:spPr/>
+        <p:txBody>
+          <a:bodyPr/>
+          <a:lstStyle/>
+          <a:p>
+            <a:r>
+              <a:rPr lang="en-US" dirty="0">
+                <a:latin typeface="Tahoma" panose="020B0604030504040204" pitchFamily="34" charset="0"/>
+                <a:ea typeface="Tahoma" panose="020B0604030504040204" pitchFamily="34" charset="0"/>
+                <a:cs typeface="Tahoma" panose="020B0604030504040204" pitchFamily="34" charset="0"/>
+              </a:rPr>
+              <a:t> Multiple Choice</a:t>
+            </a:r>
+          </a:p>
+        </p:txBody>
+      </p:sp>
+      <p:pic>
+        <p:nvPicPr>
+          <p:cNvPr id="3" name="Picture 2">
+            <a:extLst>
+              <a:ext uri="{FF2B5EF4-FFF2-40B4-BE49-F238E27FC236}">
+                <a16:creationId xmlns:a16="http://schemas.microsoft.com/office/drawing/2014/main" id="{55AA3770-EB44-4AE8-97EC-70188EC1C87F}"/>
+              </a:ext>
+            </a:extLst>
+          </p:cNvPr>
+          <p:cNvPicPr>
+            <a:picLocks noChangeAspect="1"/>
+          </p:cNvPicPr>
+          <p:nvPr/>
+        </p:nvPicPr>
+        <p:blipFill>
+          <a:blip r:embed="rId2"/>
+          <a:stretch>
+            <a:fillRect/>
+          </a:stretch>
+        </p:blipFill>
+        <p:spPr>
+          <a:xfrm>
+            <a:off x="1666574" y="1085850"/>
+            <a:ext cx="5810853" cy="3886960"/>
+          </a:xfrm>
+          <a:prstGeom prst="rect">
+            <a:avLst/>
+          </a:prstGeom>
+          <a:ln w="12700">
+            <a:solidFill>
+              <a:schemeClr val="accent1"/>
+            </a:solidFill>
+          </a:ln>
+        </p:spPr>
+      </p:pic>
+    </p:spTree>
+    <p:extLst>
+      <p:ext uri="{BB962C8B-B14F-4D97-AF65-F5344CB8AC3E}">
+        <p14:creationId xmlns:p14="http://schemas.microsoft.com/office/powerpoint/2010/main" val="867377322"/>
+      </p:ext>
+    </p:extLst>
+  </p:cSld>
+  <p:clrMapOvr>
+    <a:masterClrMapping/>
+  </p:clrMapOvr>
+  <p:transition>
+    <p:fade/>
+  </p:transition>
+</p:sld>
+</file>
+
+<file path=ppt/slides/slide24.xml><?xml version="1.0" encoding="utf-8"?>
+<p:sld xmlns:a="http://schemas.openxmlformats.org/drawingml/2006/main" xmlns:r="http://schemas.openxmlformats.org/officeDocument/2006/relationships" xmlns:p="http://schemas.openxmlformats.org/presentationml/2006/main">
+  <p:cSld>
+    <p:spTree>
+      <p:nvGrpSpPr>
+        <p:cNvPr id="1" name=""/>
+        <p:cNvGrpSpPr/>
+        <p:nvPr/>
+      </p:nvGrpSpPr>
+      <p:grpSpPr>
+        <a:xfrm>
+          <a:off x="0" y="0"/>
+          <a:ext cx="0" cy="0"/>
+          <a:chOff x="0" y="0"/>
+          <a:chExt cx="0" cy="0"/>
+        </a:xfrm>
+      </p:grpSpPr>
+      <p:sp>
+        <p:nvSpPr>
+          <p:cNvPr id="2" name="Title 1">
+            <a:extLst>
+              <a:ext uri="{FF2B5EF4-FFF2-40B4-BE49-F238E27FC236}">
+                <a16:creationId xmlns:a16="http://schemas.microsoft.com/office/drawing/2014/main" id="{857346B4-D857-4401-A834-5F330F58D55D}"/>
+              </a:ext>
+            </a:extLst>
+          </p:cNvPr>
+          <p:cNvSpPr>
+            <a:spLocks noGrp="1"/>
+          </p:cNvSpPr>
+          <p:nvPr>
+            <p:ph type="title"/>
+          </p:nvPr>
+        </p:nvSpPr>
+        <p:spPr/>
+        <p:txBody>
+          <a:bodyPr/>
+          <a:lstStyle/>
+          <a:p>
+            <a:r>
+              <a:rPr lang="en-US" dirty="0">
+                <a:latin typeface="Tahoma" panose="020B0604030504040204" pitchFamily="34" charset="0"/>
+                <a:ea typeface="Tahoma" panose="020B0604030504040204" pitchFamily="34" charset="0"/>
+                <a:cs typeface="Tahoma" panose="020B0604030504040204" pitchFamily="34" charset="0"/>
+              </a:rPr>
+              <a:t>Repeated Scenario</a:t>
+            </a:r>
+          </a:p>
+        </p:txBody>
+      </p:sp>
+      <p:sp>
+        <p:nvSpPr>
+          <p:cNvPr id="3" name="TextBox 2">
+            <a:extLst>
+              <a:ext uri="{FF2B5EF4-FFF2-40B4-BE49-F238E27FC236}">
+                <a16:creationId xmlns:a16="http://schemas.microsoft.com/office/drawing/2014/main" id="{AB573DAA-F6FA-4B5E-82D6-90FA5BE20CDB}"/>
+              </a:ext>
+            </a:extLst>
+          </p:cNvPr>
+          <p:cNvSpPr txBox="1"/>
+          <p:nvPr/>
+        </p:nvSpPr>
+        <p:spPr>
+          <a:xfrm>
+            <a:off x="1168854" y="1202871"/>
+            <a:ext cx="6806293" cy="3416320"/>
+          </a:xfrm>
+          <a:prstGeom prst="rect">
+            <a:avLst/>
+          </a:prstGeom>
+          <a:noFill/>
+        </p:spPr>
+        <p:txBody>
+          <a:bodyPr wrap="square" rtlCol="0">
+            <a:spAutoFit/>
+          </a:bodyPr>
+          <a:lstStyle/>
+          <a:p>
+            <a:r>
+              <a:rPr lang="en-US" sz="2400" dirty="0"/>
+              <a:t>You need to move an Azure VM to another hardware host.</a:t>
+            </a:r>
+          </a:p>
+          <a:p>
+            <a:endParaRPr lang="en-US" sz="2400" dirty="0"/>
+          </a:p>
+          <a:p>
+            <a:r>
+              <a:rPr lang="en-US" sz="2400" dirty="0"/>
+              <a:t>Solution: You redeploy the VM.</a:t>
+            </a:r>
+          </a:p>
+          <a:p>
+            <a:endParaRPr lang="en-US" sz="2400" dirty="0"/>
+          </a:p>
+          <a:p>
+            <a:r>
+              <a:rPr lang="en-US" sz="2400" dirty="0"/>
+              <a:t>Does this solution meet the goal?</a:t>
+            </a:r>
+          </a:p>
+          <a:p>
+            <a:endParaRPr lang="en-US" sz="2400" dirty="0"/>
+          </a:p>
+          <a:p>
+            <a:pPr marL="257175" indent="-257175">
+              <a:buAutoNum type="alphaLcPeriod"/>
+            </a:pPr>
+            <a:r>
+              <a:rPr lang="en-US" sz="2400" dirty="0"/>
+              <a:t>Yes</a:t>
+            </a:r>
+          </a:p>
+          <a:p>
+            <a:pPr marL="257175" indent="-257175">
+              <a:buAutoNum type="alphaLcPeriod"/>
+            </a:pPr>
+            <a:r>
+              <a:rPr lang="en-US" sz="2400" dirty="0"/>
+              <a:t>No</a:t>
+            </a:r>
+          </a:p>
+        </p:txBody>
+      </p:sp>
+    </p:spTree>
+    <p:extLst>
+      <p:ext uri="{BB962C8B-B14F-4D97-AF65-F5344CB8AC3E}">
+        <p14:creationId xmlns:p14="http://schemas.microsoft.com/office/powerpoint/2010/main" val="4176055775"/>
+      </p:ext>
+    </p:extLst>
+  </p:cSld>
+  <p:clrMapOvr>
+    <a:masterClrMapping/>
+  </p:clrMapOvr>
+  <p:transition>
+    <p:fade/>
+  </p:transition>
+</p:sld>
+</file>
+
+<file path=ppt/slides/slide25.xml><?xml version="1.0" encoding="utf-8"?>
+<p:sld xmlns:a="http://schemas.openxmlformats.org/drawingml/2006/main" xmlns:r="http://schemas.openxmlformats.org/officeDocument/2006/relationships" xmlns:p="http://schemas.openxmlformats.org/presentationml/2006/main">
+  <p:cSld>
+    <p:spTree>
+      <p:nvGrpSpPr>
+        <p:cNvPr id="1" name=""/>
+        <p:cNvGrpSpPr/>
+        <p:nvPr/>
+      </p:nvGrpSpPr>
+      <p:grpSpPr>
+        <a:xfrm>
+          <a:off x="0" y="0"/>
+          <a:ext cx="0" cy="0"/>
+          <a:chOff x="0" y="0"/>
+          <a:chExt cx="0" cy="0"/>
+        </a:xfrm>
+      </p:grpSpPr>
+      <p:sp>
+        <p:nvSpPr>
+          <p:cNvPr id="2" name="Title 1">
+            <a:extLst>
+              <a:ext uri="{FF2B5EF4-FFF2-40B4-BE49-F238E27FC236}">
+                <a16:creationId xmlns:a16="http://schemas.microsoft.com/office/drawing/2014/main" id="{857346B4-D857-4401-A834-5F330F58D55D}"/>
+              </a:ext>
+            </a:extLst>
+          </p:cNvPr>
+          <p:cNvSpPr>
+            <a:spLocks noGrp="1"/>
+          </p:cNvSpPr>
+          <p:nvPr>
+            <p:ph type="title"/>
+          </p:nvPr>
+        </p:nvSpPr>
+        <p:spPr/>
+        <p:txBody>
+          <a:bodyPr/>
+          <a:lstStyle/>
+          <a:p>
+            <a:r>
+              <a:rPr lang="en-US" dirty="0">
+                <a:latin typeface="Tahoma" panose="020B0604030504040204" pitchFamily="34" charset="0"/>
+                <a:ea typeface="Tahoma" panose="020B0604030504040204" pitchFamily="34" charset="0"/>
+                <a:cs typeface="Tahoma" panose="020B0604030504040204" pitchFamily="34" charset="0"/>
+              </a:rPr>
+              <a:t> Select and Place</a:t>
+            </a:r>
+          </a:p>
+        </p:txBody>
+      </p:sp>
+      <p:pic>
+        <p:nvPicPr>
+          <p:cNvPr id="3" name="Picture 2">
+            <a:extLst>
+              <a:ext uri="{FF2B5EF4-FFF2-40B4-BE49-F238E27FC236}">
+                <a16:creationId xmlns:a16="http://schemas.microsoft.com/office/drawing/2014/main" id="{7E28D004-432C-40C0-887C-A1DE6448E1CE}"/>
+              </a:ext>
+            </a:extLst>
+          </p:cNvPr>
+          <p:cNvPicPr>
+            <a:picLocks noChangeAspect="1"/>
+          </p:cNvPicPr>
+          <p:nvPr/>
+        </p:nvPicPr>
+        <p:blipFill>
+          <a:blip r:embed="rId2"/>
+          <a:stretch>
+            <a:fillRect/>
+          </a:stretch>
+        </p:blipFill>
+        <p:spPr>
+          <a:xfrm>
+            <a:off x="919153" y="1049629"/>
+            <a:ext cx="7305694" cy="3840956"/>
+          </a:xfrm>
+          <a:prstGeom prst="rect">
+            <a:avLst/>
+          </a:prstGeom>
+          <a:ln w="12700">
+            <a:solidFill>
+              <a:schemeClr val="accent1"/>
+            </a:solidFill>
+          </a:ln>
+        </p:spPr>
+      </p:pic>
+    </p:spTree>
+    <p:extLst>
+      <p:ext uri="{BB962C8B-B14F-4D97-AF65-F5344CB8AC3E}">
+        <p14:creationId xmlns:p14="http://schemas.microsoft.com/office/powerpoint/2010/main" val="2321808469"/>
+      </p:ext>
+    </p:extLst>
+  </p:cSld>
+  <p:clrMapOvr>
+    <a:masterClrMapping/>
+  </p:clrMapOvr>
+  <p:transition>
+    <p:fade/>
+  </p:transition>
+</p:sld>
+</file>
+
+<file path=ppt/slides/slide26.xml><?xml version="1.0" encoding="utf-8"?>
+<p:sld xmlns:a="http://schemas.openxmlformats.org/drawingml/2006/main" xmlns:r="http://schemas.openxmlformats.org/officeDocument/2006/relationships" xmlns:p="http://schemas.openxmlformats.org/presentationml/2006/main">
+  <p:cSld>
+    <p:spTree>
+      <p:nvGrpSpPr>
+        <p:cNvPr id="1" name=""/>
+        <p:cNvGrpSpPr/>
+        <p:nvPr/>
+      </p:nvGrpSpPr>
+      <p:grpSpPr>
+        <a:xfrm>
+          <a:off x="0" y="0"/>
+          <a:ext cx="0" cy="0"/>
+          <a:chOff x="0" y="0"/>
+          <a:chExt cx="0" cy="0"/>
+        </a:xfrm>
+      </p:grpSpPr>
+      <p:sp>
+        <p:nvSpPr>
+          <p:cNvPr id="2" name="Title 1">
+            <a:extLst>
+              <a:ext uri="{FF2B5EF4-FFF2-40B4-BE49-F238E27FC236}">
+                <a16:creationId xmlns:a16="http://schemas.microsoft.com/office/drawing/2014/main" id="{857346B4-D857-4401-A834-5F330F58D55D}"/>
+              </a:ext>
+            </a:extLst>
+          </p:cNvPr>
+          <p:cNvSpPr>
+            <a:spLocks noGrp="1"/>
+          </p:cNvSpPr>
+          <p:nvPr>
+            <p:ph type="title"/>
+          </p:nvPr>
+        </p:nvSpPr>
+        <p:spPr/>
+        <p:txBody>
+          <a:bodyPr/>
+          <a:lstStyle/>
+          <a:p>
+            <a:r>
+              <a:rPr lang="en-US" dirty="0">
+                <a:latin typeface="Tahoma" panose="020B0604030504040204" pitchFamily="34" charset="0"/>
+                <a:ea typeface="Tahoma" panose="020B0604030504040204" pitchFamily="34" charset="0"/>
+                <a:cs typeface="Tahoma" panose="020B0604030504040204" pitchFamily="34" charset="0"/>
+              </a:rPr>
+              <a:t> Build List and Reorder</a:t>
+            </a:r>
+          </a:p>
+        </p:txBody>
+      </p:sp>
+      <p:pic>
+        <p:nvPicPr>
+          <p:cNvPr id="3" name="Picture 2">
+            <a:extLst>
+              <a:ext uri="{FF2B5EF4-FFF2-40B4-BE49-F238E27FC236}">
+                <a16:creationId xmlns:a16="http://schemas.microsoft.com/office/drawing/2014/main" id="{F0995FA9-9F69-4229-AE53-7CD8B7833A2A}"/>
+              </a:ext>
+            </a:extLst>
+          </p:cNvPr>
+          <p:cNvPicPr>
+            <a:picLocks noChangeAspect="1"/>
+          </p:cNvPicPr>
+          <p:nvPr/>
+        </p:nvPicPr>
+        <p:blipFill>
+          <a:blip r:embed="rId2"/>
+          <a:stretch>
+            <a:fillRect/>
+          </a:stretch>
+        </p:blipFill>
+        <p:spPr>
+          <a:xfrm>
+            <a:off x="1606632" y="1028701"/>
+            <a:ext cx="5930736" cy="3967151"/>
+          </a:xfrm>
+          <a:prstGeom prst="rect">
+            <a:avLst/>
+          </a:prstGeom>
+          <a:ln w="12700">
+            <a:solidFill>
+              <a:schemeClr val="accent1"/>
+            </a:solidFill>
+          </a:ln>
+        </p:spPr>
+      </p:pic>
+    </p:spTree>
+    <p:extLst>
+      <p:ext uri="{BB962C8B-B14F-4D97-AF65-F5344CB8AC3E}">
+        <p14:creationId xmlns:p14="http://schemas.microsoft.com/office/powerpoint/2010/main" val="1517133926"/>
+      </p:ext>
+    </p:extLst>
+  </p:cSld>
+  <p:clrMapOvr>
+    <a:masterClrMapping/>
+  </p:clrMapOvr>
+  <p:transition>
+    <p:fade/>
+  </p:transition>
+</p:sld>
+</file>
+
+<file path=ppt/slides/slide27.xml><?xml version="1.0" encoding="utf-8"?>
+<p:sld xmlns:a="http://schemas.openxmlformats.org/drawingml/2006/main" xmlns:r="http://schemas.openxmlformats.org/officeDocument/2006/relationships" xmlns:p="http://schemas.openxmlformats.org/presentationml/2006/main">
+  <p:cSld>
+    <p:spTree>
+      <p:nvGrpSpPr>
+        <p:cNvPr id="1" name=""/>
+        <p:cNvGrpSpPr/>
+        <p:nvPr/>
+      </p:nvGrpSpPr>
+      <p:grpSpPr>
+        <a:xfrm>
+          <a:off x="0" y="0"/>
+          <a:ext cx="0" cy="0"/>
+          <a:chOff x="0" y="0"/>
+          <a:chExt cx="0" cy="0"/>
+        </a:xfrm>
+      </p:grpSpPr>
+      <p:sp>
+        <p:nvSpPr>
+          <p:cNvPr id="2" name="Title 1">
+            <a:extLst>
+              <a:ext uri="{FF2B5EF4-FFF2-40B4-BE49-F238E27FC236}">
+                <a16:creationId xmlns:a16="http://schemas.microsoft.com/office/drawing/2014/main" id="{857346B4-D857-4401-A834-5F330F58D55D}"/>
+              </a:ext>
+            </a:extLst>
+          </p:cNvPr>
+          <p:cNvSpPr>
+            <a:spLocks noGrp="1"/>
+          </p:cNvSpPr>
+          <p:nvPr>
+            <p:ph type="title"/>
+          </p:nvPr>
+        </p:nvSpPr>
+        <p:spPr/>
+        <p:txBody>
+          <a:bodyPr/>
+          <a:lstStyle/>
+          <a:p>
+            <a:r>
+              <a:rPr lang="en-US" dirty="0">
+                <a:latin typeface="Tahoma" panose="020B0604030504040204" pitchFamily="34" charset="0"/>
+                <a:ea typeface="Tahoma" panose="020B0604030504040204" pitchFamily="34" charset="0"/>
+                <a:cs typeface="Tahoma" panose="020B0604030504040204" pitchFamily="34" charset="0"/>
+              </a:rPr>
+              <a:t> Active Screen/Fill in the Blank</a:t>
+            </a:r>
+          </a:p>
+        </p:txBody>
+      </p:sp>
+      <p:pic>
+        <p:nvPicPr>
+          <p:cNvPr id="3" name="Picture 2">
+            <a:extLst>
+              <a:ext uri="{FF2B5EF4-FFF2-40B4-BE49-F238E27FC236}">
+                <a16:creationId xmlns:a16="http://schemas.microsoft.com/office/drawing/2014/main" id="{76258319-C6AA-4A20-B2B6-58F13105B080}"/>
+              </a:ext>
+            </a:extLst>
+          </p:cNvPr>
+          <p:cNvPicPr>
+            <a:picLocks noChangeAspect="1"/>
+          </p:cNvPicPr>
+          <p:nvPr/>
+        </p:nvPicPr>
+        <p:blipFill>
+          <a:blip r:embed="rId2"/>
+          <a:stretch>
+            <a:fillRect/>
+          </a:stretch>
+        </p:blipFill>
+        <p:spPr>
+          <a:xfrm>
+            <a:off x="1256023" y="1030559"/>
+            <a:ext cx="6631954" cy="3839097"/>
+          </a:xfrm>
+          <a:prstGeom prst="rect">
+            <a:avLst/>
+          </a:prstGeom>
+        </p:spPr>
+      </p:pic>
+    </p:spTree>
+    <p:extLst>
+      <p:ext uri="{BB962C8B-B14F-4D97-AF65-F5344CB8AC3E}">
+        <p14:creationId xmlns:p14="http://schemas.microsoft.com/office/powerpoint/2010/main" val="660633059"/>
+      </p:ext>
+    </p:extLst>
+  </p:cSld>
+  <p:clrMapOvr>
+    <a:masterClrMapping/>
+  </p:clrMapOvr>
+  <p:transition>
+    <p:fade/>
+  </p:transition>
+</p:sld>
+</file>
+
+<file path=ppt/slides/slide28.xml><?xml version="1.0" encoding="utf-8"?>
+<p:sld xmlns:a="http://schemas.openxmlformats.org/drawingml/2006/main" xmlns:r="http://schemas.openxmlformats.org/officeDocument/2006/relationships" xmlns:p="http://schemas.openxmlformats.org/presentationml/2006/main">
+  <p:cSld>
+    <p:spTree>
+      <p:nvGrpSpPr>
+        <p:cNvPr id="1" name=""/>
+        <p:cNvGrpSpPr/>
+        <p:nvPr/>
+      </p:nvGrpSpPr>
+      <p:grpSpPr>
+        <a:xfrm>
+          <a:off x="0" y="0"/>
+          <a:ext cx="0" cy="0"/>
+          <a:chOff x="0" y="0"/>
+          <a:chExt cx="0" cy="0"/>
+        </a:xfrm>
+      </p:grpSpPr>
+      <p:sp>
+        <p:nvSpPr>
+          <p:cNvPr id="2" name="Title 1">
+            <a:extLst>
+              <a:ext uri="{FF2B5EF4-FFF2-40B4-BE49-F238E27FC236}">
+                <a16:creationId xmlns:a16="http://schemas.microsoft.com/office/drawing/2014/main" id="{857346B4-D857-4401-A834-5F330F58D55D}"/>
+              </a:ext>
+            </a:extLst>
+          </p:cNvPr>
+          <p:cNvSpPr>
+            <a:spLocks noGrp="1"/>
+          </p:cNvSpPr>
+          <p:nvPr>
+            <p:ph type="title"/>
+          </p:nvPr>
+        </p:nvSpPr>
+        <p:spPr/>
+        <p:txBody>
+          <a:bodyPr/>
+          <a:lstStyle/>
+          <a:p>
+            <a:r>
+              <a:rPr lang="en-US" dirty="0">
+                <a:latin typeface="Tahoma" panose="020B0604030504040204" pitchFamily="34" charset="0"/>
+                <a:ea typeface="Tahoma" panose="020B0604030504040204" pitchFamily="34" charset="0"/>
+                <a:cs typeface="Tahoma" panose="020B0604030504040204" pitchFamily="34" charset="0"/>
+              </a:rPr>
+              <a:t> Case Study</a:t>
+            </a:r>
+          </a:p>
+        </p:txBody>
+      </p:sp>
+      <p:pic>
+        <p:nvPicPr>
+          <p:cNvPr id="3" name="Picture 2">
+            <a:extLst>
+              <a:ext uri="{FF2B5EF4-FFF2-40B4-BE49-F238E27FC236}">
+                <a16:creationId xmlns:a16="http://schemas.microsoft.com/office/drawing/2014/main" id="{F81C76BE-3D56-4014-BF60-49E5DDBA2635}"/>
+              </a:ext>
+            </a:extLst>
+          </p:cNvPr>
+          <p:cNvPicPr>
+            <a:picLocks noChangeAspect="1"/>
+          </p:cNvPicPr>
+          <p:nvPr/>
+        </p:nvPicPr>
+        <p:blipFill>
+          <a:blip r:embed="rId2"/>
+          <a:stretch>
+            <a:fillRect/>
+          </a:stretch>
+        </p:blipFill>
+        <p:spPr>
+          <a:xfrm>
+            <a:off x="885825" y="1065745"/>
+            <a:ext cx="7372350" cy="3824840"/>
+          </a:xfrm>
+          <a:prstGeom prst="rect">
+            <a:avLst/>
+          </a:prstGeom>
+          <a:ln w="12700">
+            <a:solidFill>
+              <a:schemeClr val="accent1"/>
+            </a:solidFill>
+          </a:ln>
+        </p:spPr>
+      </p:pic>
+    </p:spTree>
+    <p:extLst>
+      <p:ext uri="{BB962C8B-B14F-4D97-AF65-F5344CB8AC3E}">
+        <p14:creationId xmlns:p14="http://schemas.microsoft.com/office/powerpoint/2010/main" val="2736637923"/>
+      </p:ext>
+    </p:extLst>
+  </p:cSld>
+  <p:clrMapOvr>
+    <a:masterClrMapping/>
+  </p:clrMapOvr>
+  <p:transition>
+    <p:fade/>
+  </p:transition>
+</p:sld>
+</file>
+
+<file path=ppt/slides/slide29.xml><?xml version="1.0" encoding="utf-8"?>
+<p:sld xmlns:a="http://schemas.openxmlformats.org/drawingml/2006/main" xmlns:r="http://schemas.openxmlformats.org/officeDocument/2006/relationships" xmlns:p="http://schemas.openxmlformats.org/presentationml/2006/main">
+  <p:cSld>
+    <p:spTree>
+      <p:nvGrpSpPr>
+        <p:cNvPr id="1" name=""/>
+        <p:cNvGrpSpPr/>
+        <p:nvPr/>
+      </p:nvGrpSpPr>
+      <p:grpSpPr>
+        <a:xfrm>
+          <a:off x="0" y="0"/>
+          <a:ext cx="0" cy="0"/>
+          <a:chOff x="0" y="0"/>
+          <a:chExt cx="0" cy="0"/>
+        </a:xfrm>
+      </p:grpSpPr>
+      <p:sp>
+        <p:nvSpPr>
+          <p:cNvPr id="2" name="Title 1">
+            <a:extLst>
+              <a:ext uri="{FF2B5EF4-FFF2-40B4-BE49-F238E27FC236}">
+                <a16:creationId xmlns:a16="http://schemas.microsoft.com/office/drawing/2014/main" id="{857346B4-D857-4401-A834-5F330F58D55D}"/>
+              </a:ext>
+            </a:extLst>
+          </p:cNvPr>
+          <p:cNvSpPr>
+            <a:spLocks noGrp="1"/>
+          </p:cNvSpPr>
+          <p:nvPr>
+            <p:ph type="title"/>
+          </p:nvPr>
+        </p:nvSpPr>
+        <p:spPr/>
+        <p:txBody>
+          <a:bodyPr/>
+          <a:lstStyle/>
+          <a:p>
+            <a:r>
+              <a:rPr lang="en-US" dirty="0">
+                <a:latin typeface="Tahoma" panose="020B0604030504040204" pitchFamily="34" charset="0"/>
+                <a:ea typeface="Tahoma" panose="020B0604030504040204" pitchFamily="34" charset="0"/>
+                <a:cs typeface="Tahoma" panose="020B0604030504040204" pitchFamily="34" charset="0"/>
+              </a:rPr>
+              <a:t> Performance-Based Lab</a:t>
+            </a:r>
+          </a:p>
+        </p:txBody>
+      </p:sp>
+      <p:pic>
+        <p:nvPicPr>
+          <p:cNvPr id="3" name="Picture 2">
+            <a:extLst>
+              <a:ext uri="{FF2B5EF4-FFF2-40B4-BE49-F238E27FC236}">
+                <a16:creationId xmlns:a16="http://schemas.microsoft.com/office/drawing/2014/main" id="{74AEB5F4-7D42-4847-AAA1-08F572F1B47F}"/>
+              </a:ext>
+            </a:extLst>
+          </p:cNvPr>
+          <p:cNvPicPr>
+            <a:picLocks noChangeAspect="1"/>
+          </p:cNvPicPr>
+          <p:nvPr/>
+        </p:nvPicPr>
+        <p:blipFill>
+          <a:blip r:embed="rId2"/>
+          <a:stretch>
+            <a:fillRect/>
+          </a:stretch>
+        </p:blipFill>
+        <p:spPr>
+          <a:xfrm>
+            <a:off x="1013962" y="716085"/>
+            <a:ext cx="6738900" cy="4268806"/>
+          </a:xfrm>
+          <a:prstGeom prst="rect">
+            <a:avLst/>
+          </a:prstGeom>
+          <a:ln w="12700">
+            <a:solidFill>
+              <a:schemeClr val="accent1"/>
+            </a:solidFill>
+          </a:ln>
+        </p:spPr>
+      </p:pic>
+    </p:spTree>
+    <p:extLst>
+      <p:ext uri="{BB962C8B-B14F-4D97-AF65-F5344CB8AC3E}">
+        <p14:creationId xmlns:p14="http://schemas.microsoft.com/office/powerpoint/2010/main" val="106780170"/>
+      </p:ext>
+    </p:extLst>
+  </p:cSld>
+  <p:clrMapOvr>
+    <a:masterClrMapping/>
+  </p:clrMapOvr>
+  <p:transition>
+    <p:fade/>
+  </p:transition>
+</p:sld>
+</file>
+
+<file path=ppt/slides/slide3.xml><?xml version="1.0" encoding="utf-8"?>
+<p:sld xmlns:a="http://schemas.openxmlformats.org/drawingml/2006/main" xmlns:r="http://schemas.openxmlformats.org/officeDocument/2006/relationships" xmlns:p="http://schemas.openxmlformats.org/presentationml/2006/main">
+  <p:cSld>
+    <p:spTree>
+      <p:nvGrpSpPr>
+        <p:cNvPr id="1" name=""/>
+        <p:cNvGrpSpPr/>
+        <p:nvPr/>
+      </p:nvGrpSpPr>
+      <p:grpSpPr>
+        <a:xfrm>
+          <a:off x="0" y="0"/>
+          <a:ext cx="0" cy="0"/>
+          <a:chOff x="0" y="0"/>
+          <a:chExt cx="0" cy="0"/>
+        </a:xfrm>
+      </p:grpSpPr>
+      <p:sp>
+        <p:nvSpPr>
+          <p:cNvPr id="2" name="Title 1">
+            <a:extLst>
+              <a:ext uri="{FF2B5EF4-FFF2-40B4-BE49-F238E27FC236}">
+                <a16:creationId xmlns:a16="http://schemas.microsoft.com/office/drawing/2014/main" id="{9499EFF8-D9AC-F84D-8949-EF6A66C51733}"/>
+              </a:ext>
+            </a:extLst>
+          </p:cNvPr>
+          <p:cNvSpPr>
+            <a:spLocks noGrp="1"/>
+          </p:cNvSpPr>
+          <p:nvPr>
+            <p:ph type="title"/>
+          </p:nvPr>
+        </p:nvSpPr>
+        <p:spPr/>
+        <p:txBody>
+          <a:bodyPr/>
+          <a:lstStyle/>
+          <a:p>
+            <a:r>
+              <a:rPr lang="en-US" dirty="0"/>
+              <a:t>Course Materials</a:t>
+            </a:r>
+          </a:p>
+        </p:txBody>
+      </p:sp>
+      <p:sp>
+        <p:nvSpPr>
+          <p:cNvPr id="4" name="Rectangle 3">
+            <a:extLst>
+              <a:ext uri="{FF2B5EF4-FFF2-40B4-BE49-F238E27FC236}">
+                <a16:creationId xmlns:a16="http://schemas.microsoft.com/office/drawing/2014/main" id="{81880932-C79B-4E37-86AD-089232300598}"/>
+              </a:ext>
+            </a:extLst>
+          </p:cNvPr>
+          <p:cNvSpPr/>
+          <p:nvPr/>
+        </p:nvSpPr>
+        <p:spPr>
+          <a:xfrm>
+            <a:off x="1241536" y="2034283"/>
+            <a:ext cx="6651398" cy="1107996"/>
+          </a:xfrm>
+          <a:prstGeom prst="rect">
+            <a:avLst/>
+          </a:prstGeom>
+          <a:noFill/>
+        </p:spPr>
+        <p:txBody>
+          <a:bodyPr wrap="square" lIns="91440" tIns="45720" rIns="91440" bIns="45720">
+            <a:spAutoFit/>
+          </a:bodyPr>
+          <a:lstStyle/>
+          <a:p>
+            <a:pPr algn="ctr"/>
+            <a:r>
+              <a:rPr lang="en-US" sz="6600" b="1" cap="none" spc="0" dirty="0">
+                <a:ln w="12700">
+                  <a:solidFill>
+                    <a:schemeClr val="accent1"/>
+                  </a:solidFill>
+                  <a:prstDash val="solid"/>
+                </a:ln>
+                <a:pattFill prst="pct50">
+                  <a:fgClr>
+                    <a:schemeClr val="accent1"/>
+                  </a:fgClr>
+                  <a:bgClr>
+                    <a:schemeClr val="accent1">
+                      <a:lumMod val="20000"/>
+                      <a:lumOff val="80000"/>
+                    </a:schemeClr>
+                  </a:bgClr>
+                </a:pattFill>
+                <a:effectLst>
+                  <a:outerShdw dist="38100" dir="2640000" algn="bl" rotWithShape="0">
+                    <a:schemeClr val="accent1"/>
+                  </a:outerShdw>
+                </a:effectLst>
+              </a:rPr>
+              <a:t>timw.info/az300</a:t>
+            </a:r>
+          </a:p>
+        </p:txBody>
+      </p:sp>
+    </p:spTree>
+    <p:extLst>
+      <p:ext uri="{BB962C8B-B14F-4D97-AF65-F5344CB8AC3E}">
+        <p14:creationId xmlns:p14="http://schemas.microsoft.com/office/powerpoint/2010/main" val="616345109"/>
+      </p:ext>
+    </p:extLst>
+  </p:cSld>
+  <p:clrMapOvr>
+    <a:masterClrMapping/>
+  </p:clrMapOvr>
+</p:sld>
+</file>
+
+<file path=ppt/slides/slide30.xml><?xml version="1.0" encoding="utf-8"?>
+<p:sld xmlns:a="http://schemas.openxmlformats.org/drawingml/2006/main" xmlns:r="http://schemas.openxmlformats.org/officeDocument/2006/relationships" xmlns:p="http://schemas.openxmlformats.org/presentationml/2006/main">
+  <p:cSld>
+    <p:spTree>
+      <p:nvGrpSpPr>
+        <p:cNvPr id="1" name=""/>
+        <p:cNvGrpSpPr/>
+        <p:nvPr/>
+      </p:nvGrpSpPr>
+      <p:grpSpPr>
+        <a:xfrm>
+          <a:off x="0" y="0"/>
+          <a:ext cx="0" cy="0"/>
+          <a:chOff x="0" y="0"/>
+          <a:chExt cx="0" cy="0"/>
+        </a:xfrm>
+      </p:grpSpPr>
+      <p:sp>
+        <p:nvSpPr>
+          <p:cNvPr id="2" name="Title 1">
+            <a:extLst>
+              <a:ext uri="{FF2B5EF4-FFF2-40B4-BE49-F238E27FC236}">
                 <a16:creationId xmlns:a16="http://schemas.microsoft.com/office/drawing/2014/main" id="{9499EFF8-D9AC-F84D-8949-EF6A66C51733}"/>
               </a:ext>
             </a:extLst>
@@ -3352,116 +5225,6 @@
 </p:sld>
 </file>
 
-<file path=ppt/slides/slide3.xml><?xml version="1.0" encoding="utf-8"?>
-<p:sld xmlns:a="http://schemas.openxmlformats.org/drawingml/2006/main" xmlns:r="http://schemas.openxmlformats.org/officeDocument/2006/relationships" xmlns:p="http://schemas.openxmlformats.org/presentationml/2006/main">
-  <p:cSld>
-    <p:spTree>
-      <p:nvGrpSpPr>
-        <p:cNvPr id="1" name=""/>
-        <p:cNvGrpSpPr/>
-        <p:nvPr/>
-      </p:nvGrpSpPr>
-      <p:grpSpPr>
-        <a:xfrm>
-          <a:off x="0" y="0"/>
-          <a:ext cx="0" cy="0"/>
-          <a:chOff x="0" y="0"/>
-          <a:chExt cx="0" cy="0"/>
-        </a:xfrm>
-      </p:grpSpPr>
-      <p:sp>
-        <p:nvSpPr>
-          <p:cNvPr id="2" name="Title 1">
-            <a:extLst>
-              <a:ext uri="{FF2B5EF4-FFF2-40B4-BE49-F238E27FC236}">
-                <a16:creationId xmlns:a16="http://schemas.microsoft.com/office/drawing/2014/main" id="{9499EFF8-D9AC-F84D-8949-EF6A66C51733}"/>
-              </a:ext>
-            </a:extLst>
-          </p:cNvPr>
-          <p:cNvSpPr>
-            <a:spLocks noGrp="1"/>
-          </p:cNvSpPr>
-          <p:nvPr>
-            <p:ph type="title"/>
-          </p:nvPr>
-        </p:nvSpPr>
-        <p:spPr/>
-        <p:txBody>
-          <a:bodyPr/>
-          <a:lstStyle/>
-          <a:p>
-            <a:r>
-              <a:rPr lang="en-US" dirty="0"/>
-              <a:t>Day 1 of 2 Agenda</a:t>
-            </a:r>
-          </a:p>
-        </p:txBody>
-      </p:sp>
-      <p:sp>
-        <p:nvSpPr>
-          <p:cNvPr id="3" name="Content Placeholder 2">
-            <a:extLst>
-              <a:ext uri="{FF2B5EF4-FFF2-40B4-BE49-F238E27FC236}">
-                <a16:creationId xmlns:a16="http://schemas.microsoft.com/office/drawing/2014/main" id="{510B1FA3-9927-F74A-8D15-783CB3AE14C0}"/>
-              </a:ext>
-            </a:extLst>
-          </p:cNvPr>
-          <p:cNvSpPr>
-            <a:spLocks noGrp="1"/>
-          </p:cNvSpPr>
-          <p:nvPr>
-            <p:ph idx="1"/>
-          </p:nvPr>
-        </p:nvSpPr>
-        <p:spPr/>
-        <p:txBody>
-          <a:bodyPr/>
-          <a:lstStyle/>
-          <a:p>
-            <a:r>
-              <a:rPr lang="en-US" dirty="0"/>
-              <a:t>Introduction</a:t>
-            </a:r>
-          </a:p>
-          <a:p>
-            <a:r>
-              <a:rPr lang="en-US" dirty="0"/>
-              <a:t>Module 1: Deploy and Configure Azure Infrastructure</a:t>
-            </a:r>
-          </a:p>
-          <a:p>
-            <a:r>
-              <a:rPr lang="en-US" dirty="0"/>
-              <a:t>Module 2 Implement Azure Workloads and Security</a:t>
-            </a:r>
-          </a:p>
-          <a:p>
-            <a:r>
-              <a:rPr lang="en-US" dirty="0"/>
-              <a:t>Module 3: Create and Deploy Apps in Azure</a:t>
-            </a:r>
-          </a:p>
-          <a:p>
-            <a:r>
-              <a:rPr lang="en-US" dirty="0"/>
-              <a:t>Synthesis and look ahead to Day 2</a:t>
-            </a:r>
-          </a:p>
-        </p:txBody>
-      </p:sp>
-    </p:spTree>
-    <p:extLst>
-      <p:ext uri="{BB962C8B-B14F-4D97-AF65-F5344CB8AC3E}">
-        <p14:creationId xmlns:p14="http://schemas.microsoft.com/office/powerpoint/2010/main" val="164563528"/>
-      </p:ext>
-    </p:extLst>
-  </p:cSld>
-  <p:clrMapOvr>
-    <a:masterClrMapping/>
-  </p:clrMapOvr>
-</p:sld>
-</file>
-
 <file path=ppt/slides/slide4.xml><?xml version="1.0" encoding="utf-8"?>
 <p:sld xmlns:a="http://schemas.openxmlformats.org/drawingml/2006/main" xmlns:r="http://schemas.openxmlformats.org/officeDocument/2006/relationships" xmlns:p="http://schemas.openxmlformats.org/presentationml/2006/main">
   <p:cSld>
@@ -3502,7 +5265,7 @@
           <a:p>
             <a:r>
               <a:rPr lang="en-US" dirty="0"/>
-              <a:t>Day 2 of 2 Agenda</a:t>
+              <a:t>Day 1 of 2 Agenda</a:t>
             </a:r>
           </a:p>
         </p:txBody>
@@ -3530,25 +5293,31 @@
           <a:p>
             <a:r>
               <a:rPr lang="en-US" dirty="0"/>
-              <a:t>Quick content review</a:t>
-            </a:r>
-          </a:p>
-          <a:p>
-            <a:r>
-              <a:rPr lang="en-US" dirty="0"/>
-              <a:t>Module 4: Implement Authentication and Secure Data in Azure</a:t>
-            </a:r>
-          </a:p>
-          <a:p>
-            <a:r>
-              <a:rPr lang="en-US" dirty="0"/>
-              <a:t>Module 5: Develop for the Cloud and for Azure Storage</a:t>
-            </a:r>
-          </a:p>
-          <a:p>
-            <a:r>
-              <a:rPr lang="en-US" dirty="0"/>
-              <a:t>Module 6: Exam AZ-300 Exam Strategy</a:t>
+              <a:t>Introduction</a:t>
+            </a:r>
+          </a:p>
+          <a:p>
+            <a:r>
+              <a:rPr lang="en-US" dirty="0"/>
+              <a:t>Module 1: Deploy and Configure Azure Infrastructure</a:t>
+            </a:r>
+          </a:p>
+          <a:p>
+            <a:r>
+              <a:rPr lang="en-US" dirty="0"/>
+              <a:t>Module 2 Implement Azure Workloads and Security</a:t>
+            </a:r>
+          </a:p>
+          <a:p>
+            <a:r>
+              <a:rPr lang="en-US" dirty="0"/>
+              <a:t>Module 3: Create and Deploy Apps in Azure</a:t>
+            </a:r>
+          </a:p>
+          <a:p>
+            <a:r>
+              <a:rPr lang="en-US" dirty="0"/>
+              <a:t>Synthesis and look ahead to Day 2</a:t>
             </a:r>
           </a:p>
         </p:txBody>
@@ -3556,7 +5325,7 @@
     </p:spTree>
     <p:extLst>
       <p:ext uri="{BB962C8B-B14F-4D97-AF65-F5344CB8AC3E}">
-        <p14:creationId xmlns:p14="http://schemas.microsoft.com/office/powerpoint/2010/main" val="2623266132"/>
+        <p14:creationId xmlns:p14="http://schemas.microsoft.com/office/powerpoint/2010/main" val="164563528"/>
       </p:ext>
     </p:extLst>
   </p:cSld>
@@ -3606,66 +5375,53 @@
           <a:p>
             <a:r>
               <a:rPr lang="en-US" dirty="0"/>
-              <a:t>Course Materials</a:t>
-            </a:r>
-          </a:p>
-        </p:txBody>
-      </p:sp>
-      <p:sp>
-        <p:nvSpPr>
-          <p:cNvPr id="4" name="Rectangle 3">
-            <a:extLst>
-              <a:ext uri="{FF2B5EF4-FFF2-40B4-BE49-F238E27FC236}">
-                <a16:creationId xmlns:a16="http://schemas.microsoft.com/office/drawing/2014/main" id="{81880932-C79B-4E37-86AD-089232300598}"/>
-              </a:ext>
-            </a:extLst>
-          </p:cNvPr>
-          <p:cNvSpPr/>
-          <p:nvPr/>
-        </p:nvSpPr>
-        <p:spPr>
-          <a:xfrm>
-            <a:off x="1241536" y="2034283"/>
-            <a:ext cx="6651398" cy="1107996"/>
-          </a:xfrm>
-          <a:prstGeom prst="rect">
-            <a:avLst/>
-          </a:prstGeom>
-          <a:noFill/>
-        </p:spPr>
-        <p:txBody>
-          <a:bodyPr wrap="square" lIns="91440" tIns="45720" rIns="91440" bIns="45720">
-            <a:spAutoFit/>
-          </a:bodyPr>
+              <a:t>Day 2 of 2 Agenda</a:t>
+            </a:r>
+          </a:p>
+        </p:txBody>
+      </p:sp>
+      <p:sp>
+        <p:nvSpPr>
+          <p:cNvPr id="3" name="Content Placeholder 2">
+            <a:extLst>
+              <a:ext uri="{FF2B5EF4-FFF2-40B4-BE49-F238E27FC236}">
+                <a16:creationId xmlns:a16="http://schemas.microsoft.com/office/drawing/2014/main" id="{510B1FA3-9927-F74A-8D15-783CB3AE14C0}"/>
+              </a:ext>
+            </a:extLst>
+          </p:cNvPr>
+          <p:cNvSpPr>
+            <a:spLocks noGrp="1"/>
+          </p:cNvSpPr>
+          <p:nvPr>
+            <p:ph idx="1"/>
+          </p:nvPr>
+        </p:nvSpPr>
+        <p:spPr/>
+        <p:txBody>
+          <a:bodyPr/>
           <a:lstStyle/>
           <a:p>
-            <a:pPr algn="ctr"/>
-            <a:r>
-              <a:rPr lang="en-US" sz="6600" b="1" cap="none" spc="0" dirty="0">
-                <a:ln w="12700">
-                  <a:solidFill>
-                    <a:schemeClr val="accent1"/>
-                  </a:solidFill>
-                  <a:prstDash val="solid"/>
-                </a:ln>
-                <a:pattFill prst="pct50">
-                  <a:fgClr>
-                    <a:schemeClr val="accent1"/>
-                  </a:fgClr>
-                  <a:bgClr>
-                    <a:schemeClr val="accent1">
-                      <a:lumMod val="20000"/>
-                      <a:lumOff val="80000"/>
-                    </a:schemeClr>
-                  </a:bgClr>
-                </a:pattFill>
-                <a:effectLst>
-                  <a:outerShdw dist="38100" dir="2640000" algn="bl" rotWithShape="0">
-                    <a:schemeClr val="accent1"/>
-                  </a:outerShdw>
-                </a:effectLst>
-              </a:rPr>
-              <a:t>timw.info/az300</a:t>
+            <a:r>
+              <a:rPr lang="en-US" dirty="0"/>
+              <a:t>Quick content review</a:t>
+            </a:r>
+          </a:p>
+          <a:p>
+            <a:r>
+              <a:rPr lang="en-US" dirty="0"/>
+              <a:t>Module 4: Implement Authentication and Secure Data in Azure</a:t>
+            </a:r>
+          </a:p>
+          <a:p>
+            <a:r>
+              <a:rPr lang="en-US" dirty="0"/>
+              <a:t>Module 5: Develop for the Cloud and for Azure Storage</a:t>
+            </a:r>
+          </a:p>
+          <a:p>
+            <a:r>
+              <a:rPr lang="en-US" dirty="0"/>
+              <a:t>Module 6: Exam AZ-300 Exam Strategy</a:t>
             </a:r>
           </a:p>
         </p:txBody>
@@ -3673,7 +5429,7 @@
     </p:spTree>
     <p:extLst>
       <p:ext uri="{BB962C8B-B14F-4D97-AF65-F5344CB8AC3E}">
-        <p14:creationId xmlns:p14="http://schemas.microsoft.com/office/powerpoint/2010/main" val="616345109"/>
+        <p14:creationId xmlns:p14="http://schemas.microsoft.com/office/powerpoint/2010/main" val="2623266132"/>
       </p:ext>
     </p:extLst>
   </p:cSld>
